--- a/thesis/abs/BC_CN_TruongAnhTuan.pptx
+++ b/thesis/abs/BC_CN_TruongAnhTuan.pptx
@@ -7015,15 +7015,18 @@
               </a:rPr>
               <a:t>quả</a:t>
             </a:r>
-            <a:endParaRPr lang="en-US" sz="3200" dirty="0">
-              <a:solidFill>
-                <a:srgbClr val="0B1320"/>
-              </a:solidFill>
-              <a:latin typeface="Times New Roman"/>
-              <a:ea typeface="Times New Roman"/>
-              <a:cs typeface="Times New Roman"/>
-              <a:sym typeface="Times New Roman"/>
-            </a:endParaRPr>
+            <a:r>
+              <a:rPr lang="en-US" sz="3200" dirty="0">
+                <a:solidFill>
+                  <a:srgbClr val="0B1320"/>
+                </a:solidFill>
+                <a:latin typeface="Times New Roman"/>
+                <a:ea typeface="Times New Roman"/>
+                <a:cs typeface="Times New Roman"/>
+                <a:sym typeface="Times New Roman"/>
+              </a:rPr>
+              <a:t>.</a:t>
+            </a:r>
           </a:p>
         </p:txBody>
       </p:sp>
@@ -16692,8 +16695,8 @@
         </p:nvGrpSpPr>
         <p:grpSpPr>
           <a:xfrm>
-            <a:off x="768635" y="5143500"/>
-            <a:ext cx="11606418" cy="3439242"/>
+            <a:off x="715229" y="5635523"/>
+            <a:ext cx="11606418" cy="2366991"/>
             <a:chOff x="0" y="0"/>
             <a:chExt cx="3056834" cy="795279"/>
           </a:xfrm>
@@ -16798,8 +16801,8 @@
         </p:nvSpPr>
         <p:spPr>
           <a:xfrm>
-            <a:off x="996969" y="5398874"/>
-            <a:ext cx="11149750" cy="3373488"/>
+            <a:off x="943563" y="5734914"/>
+            <a:ext cx="11149750" cy="1911549"/>
           </a:xfrm>
           <a:prstGeom prst="rect">
             <a:avLst/>
@@ -16817,16 +16820,436 @@
               </a:lnSpc>
             </a:pPr>
             <a:r>
-              <a:rPr lang="en-US" sz="2800" dirty="0">
-                <a:solidFill>
-                  <a:srgbClr val="FFFFFF"/>
-                </a:solidFill>
-                <a:latin typeface="Times New Roman"/>
-                <a:ea typeface="Times New Roman"/>
-                <a:cs typeface="Times New Roman"/>
-                <a:sym typeface="Times New Roman"/>
-              </a:rPr>
-              <a:t> </a:t>
+              <a:rPr lang="en-US" sz="2800" dirty="0" err="1">
+                <a:solidFill>
+                  <a:srgbClr val="FFFFFF"/>
+                </a:solidFill>
+                <a:latin typeface="Times New Roman"/>
+                <a:ea typeface="Times New Roman"/>
+                <a:cs typeface="Times New Roman"/>
+                <a:sym typeface="Times New Roman"/>
+              </a:rPr>
+              <a:t>Vitejs</a:t>
+            </a:r>
+            <a:r>
+              <a:rPr lang="en-US" sz="2800" dirty="0">
+                <a:solidFill>
+                  <a:srgbClr val="FFFFFF"/>
+                </a:solidFill>
+                <a:latin typeface="Times New Roman"/>
+                <a:ea typeface="Times New Roman"/>
+                <a:cs typeface="Times New Roman"/>
+                <a:sym typeface="Times New Roman"/>
+              </a:rPr>
+              <a:t> </a:t>
+            </a:r>
+            <a:r>
+              <a:rPr lang="en-US" sz="2800" dirty="0" err="1">
+                <a:solidFill>
+                  <a:srgbClr val="FFFFFF"/>
+                </a:solidFill>
+                <a:latin typeface="Times New Roman"/>
+                <a:ea typeface="Times New Roman"/>
+                <a:cs typeface="Times New Roman"/>
+                <a:sym typeface="Times New Roman"/>
+              </a:rPr>
+              <a:t>là</a:t>
+            </a:r>
+            <a:r>
+              <a:rPr lang="en-US" sz="2800" dirty="0">
+                <a:solidFill>
+                  <a:srgbClr val="FFFFFF"/>
+                </a:solidFill>
+                <a:latin typeface="Times New Roman"/>
+                <a:ea typeface="Times New Roman"/>
+                <a:cs typeface="Times New Roman"/>
+                <a:sym typeface="Times New Roman"/>
+              </a:rPr>
+              <a:t> </a:t>
+            </a:r>
+            <a:r>
+              <a:rPr lang="en-US" sz="2800" dirty="0" err="1">
+                <a:solidFill>
+                  <a:srgbClr val="FFFFFF"/>
+                </a:solidFill>
+                <a:latin typeface="Times New Roman"/>
+                <a:ea typeface="Times New Roman"/>
+                <a:cs typeface="Times New Roman"/>
+                <a:sym typeface="Times New Roman"/>
+              </a:rPr>
+              <a:t>một</a:t>
+            </a:r>
+            <a:r>
+              <a:rPr lang="en-US" sz="2800" dirty="0">
+                <a:solidFill>
+                  <a:srgbClr val="FFFFFF"/>
+                </a:solidFill>
+                <a:latin typeface="Times New Roman"/>
+                <a:ea typeface="Times New Roman"/>
+                <a:cs typeface="Times New Roman"/>
+                <a:sym typeface="Times New Roman"/>
+              </a:rPr>
+              <a:t> </a:t>
+            </a:r>
+            <a:r>
+              <a:rPr lang="en-US" sz="2800" dirty="0" err="1">
+                <a:solidFill>
+                  <a:srgbClr val="FFFFFF"/>
+                </a:solidFill>
+                <a:latin typeface="Times New Roman"/>
+                <a:ea typeface="Times New Roman"/>
+                <a:cs typeface="Times New Roman"/>
+                <a:sym typeface="Times New Roman"/>
+              </a:rPr>
+              <a:t>công</a:t>
+            </a:r>
+            <a:r>
+              <a:rPr lang="en-US" sz="2800" dirty="0">
+                <a:solidFill>
+                  <a:srgbClr val="FFFFFF"/>
+                </a:solidFill>
+                <a:latin typeface="Times New Roman"/>
+                <a:ea typeface="Times New Roman"/>
+                <a:cs typeface="Times New Roman"/>
+                <a:sym typeface="Times New Roman"/>
+              </a:rPr>
+              <a:t> </a:t>
+            </a:r>
+            <a:r>
+              <a:rPr lang="en-US" sz="2800" dirty="0" err="1">
+                <a:solidFill>
+                  <a:srgbClr val="FFFFFF"/>
+                </a:solidFill>
+                <a:latin typeface="Times New Roman"/>
+                <a:ea typeface="Times New Roman"/>
+                <a:cs typeface="Times New Roman"/>
+                <a:sym typeface="Times New Roman"/>
+              </a:rPr>
+              <a:t>cụ</a:t>
+            </a:r>
+            <a:r>
+              <a:rPr lang="en-US" sz="2800" dirty="0">
+                <a:solidFill>
+                  <a:srgbClr val="FFFFFF"/>
+                </a:solidFill>
+                <a:latin typeface="Times New Roman"/>
+                <a:ea typeface="Times New Roman"/>
+                <a:cs typeface="Times New Roman"/>
+                <a:sym typeface="Times New Roman"/>
+              </a:rPr>
+              <a:t> build </a:t>
+            </a:r>
+            <a:r>
+              <a:rPr lang="en-US" sz="2800" dirty="0" err="1">
+                <a:solidFill>
+                  <a:srgbClr val="FFFFFF"/>
+                </a:solidFill>
+                <a:latin typeface="Times New Roman"/>
+                <a:ea typeface="Times New Roman"/>
+                <a:cs typeface="Times New Roman"/>
+                <a:sym typeface="Times New Roman"/>
+              </a:rPr>
+              <a:t>và</a:t>
+            </a:r>
+            <a:r>
+              <a:rPr lang="en-US" sz="2800" dirty="0">
+                <a:solidFill>
+                  <a:srgbClr val="FFFFFF"/>
+                </a:solidFill>
+                <a:latin typeface="Times New Roman"/>
+                <a:ea typeface="Times New Roman"/>
+                <a:cs typeface="Times New Roman"/>
+                <a:sym typeface="Times New Roman"/>
+              </a:rPr>
+              <a:t> </a:t>
+            </a:r>
+            <a:r>
+              <a:rPr lang="en-US" sz="2800" dirty="0" err="1">
+                <a:solidFill>
+                  <a:srgbClr val="FFFFFF"/>
+                </a:solidFill>
+                <a:latin typeface="Times New Roman"/>
+                <a:ea typeface="Times New Roman"/>
+                <a:cs typeface="Times New Roman"/>
+                <a:sym typeface="Times New Roman"/>
+              </a:rPr>
+              <a:t>phát</a:t>
+            </a:r>
+            <a:r>
+              <a:rPr lang="en-US" sz="2800" dirty="0">
+                <a:solidFill>
+                  <a:srgbClr val="FFFFFF"/>
+                </a:solidFill>
+                <a:latin typeface="Times New Roman"/>
+                <a:ea typeface="Times New Roman"/>
+                <a:cs typeface="Times New Roman"/>
+                <a:sym typeface="Times New Roman"/>
+              </a:rPr>
+              <a:t> </a:t>
+            </a:r>
+            <a:r>
+              <a:rPr lang="en-US" sz="2800" dirty="0" err="1">
+                <a:solidFill>
+                  <a:srgbClr val="FFFFFF"/>
+                </a:solidFill>
+                <a:latin typeface="Times New Roman"/>
+                <a:ea typeface="Times New Roman"/>
+                <a:cs typeface="Times New Roman"/>
+                <a:sym typeface="Times New Roman"/>
+              </a:rPr>
+              <a:t>triển</a:t>
+            </a:r>
+            <a:r>
+              <a:rPr lang="en-US" sz="2800" dirty="0">
+                <a:solidFill>
+                  <a:srgbClr val="FFFFFF"/>
+                </a:solidFill>
+                <a:latin typeface="Times New Roman"/>
+                <a:ea typeface="Times New Roman"/>
+                <a:cs typeface="Times New Roman"/>
+                <a:sym typeface="Times New Roman"/>
+              </a:rPr>
+              <a:t> </a:t>
+            </a:r>
+            <a:r>
+              <a:rPr lang="en-US" sz="2800" dirty="0" err="1">
+                <a:solidFill>
+                  <a:srgbClr val="FFFFFF"/>
+                </a:solidFill>
+                <a:latin typeface="Times New Roman"/>
+                <a:ea typeface="Times New Roman"/>
+                <a:cs typeface="Times New Roman"/>
+                <a:sym typeface="Times New Roman"/>
+              </a:rPr>
+              <a:t>ứng</a:t>
+            </a:r>
+            <a:r>
+              <a:rPr lang="en-US" sz="2800" dirty="0">
+                <a:solidFill>
+                  <a:srgbClr val="FFFFFF"/>
+                </a:solidFill>
+                <a:latin typeface="Times New Roman"/>
+                <a:ea typeface="Times New Roman"/>
+                <a:cs typeface="Times New Roman"/>
+                <a:sym typeface="Times New Roman"/>
+              </a:rPr>
+              <a:t> </a:t>
+            </a:r>
+            <a:r>
+              <a:rPr lang="en-US" sz="2800" dirty="0" err="1">
+                <a:solidFill>
+                  <a:srgbClr val="FFFFFF"/>
+                </a:solidFill>
+                <a:latin typeface="Times New Roman"/>
+                <a:ea typeface="Times New Roman"/>
+                <a:cs typeface="Times New Roman"/>
+                <a:sym typeface="Times New Roman"/>
+              </a:rPr>
+              <a:t>dụng</a:t>
+            </a:r>
+            <a:r>
+              <a:rPr lang="en-US" sz="2800" dirty="0">
+                <a:solidFill>
+                  <a:srgbClr val="FFFFFF"/>
+                </a:solidFill>
+                <a:latin typeface="Times New Roman"/>
+                <a:ea typeface="Times New Roman"/>
+                <a:cs typeface="Times New Roman"/>
+                <a:sym typeface="Times New Roman"/>
+              </a:rPr>
+              <a:t> web </a:t>
+            </a:r>
+            <a:r>
+              <a:rPr lang="en-US" sz="2800" dirty="0" err="1">
+                <a:solidFill>
+                  <a:srgbClr val="FFFFFF"/>
+                </a:solidFill>
+                <a:latin typeface="Times New Roman"/>
+                <a:ea typeface="Times New Roman"/>
+                <a:cs typeface="Times New Roman"/>
+                <a:sym typeface="Times New Roman"/>
+              </a:rPr>
+              <a:t>được</a:t>
+            </a:r>
+            <a:r>
+              <a:rPr lang="en-US" sz="2800" dirty="0">
+                <a:solidFill>
+                  <a:srgbClr val="FFFFFF"/>
+                </a:solidFill>
+                <a:latin typeface="Times New Roman"/>
+                <a:ea typeface="Times New Roman"/>
+                <a:cs typeface="Times New Roman"/>
+                <a:sym typeface="Times New Roman"/>
+              </a:rPr>
+              <a:t> </a:t>
+            </a:r>
+            <a:r>
+              <a:rPr lang="en-US" sz="2800" dirty="0" err="1">
+                <a:solidFill>
+                  <a:srgbClr val="FFFFFF"/>
+                </a:solidFill>
+                <a:latin typeface="Times New Roman"/>
+                <a:ea typeface="Times New Roman"/>
+                <a:cs typeface="Times New Roman"/>
+                <a:sym typeface="Times New Roman"/>
+              </a:rPr>
+              <a:t>tạo</a:t>
+            </a:r>
+            <a:r>
+              <a:rPr lang="en-US" sz="2800" dirty="0">
+                <a:solidFill>
+                  <a:srgbClr val="FFFFFF"/>
+                </a:solidFill>
+                <a:latin typeface="Times New Roman"/>
+                <a:ea typeface="Times New Roman"/>
+                <a:cs typeface="Times New Roman"/>
+                <a:sym typeface="Times New Roman"/>
+              </a:rPr>
+              <a:t> </a:t>
+            </a:r>
+            <a:r>
+              <a:rPr lang="en-US" sz="2800" dirty="0" err="1">
+                <a:solidFill>
+                  <a:srgbClr val="FFFFFF"/>
+                </a:solidFill>
+                <a:latin typeface="Times New Roman"/>
+                <a:ea typeface="Times New Roman"/>
+                <a:cs typeface="Times New Roman"/>
+                <a:sym typeface="Times New Roman"/>
+              </a:rPr>
+              <a:t>ra</a:t>
+            </a:r>
+            <a:r>
+              <a:rPr lang="en-US" sz="2800" dirty="0">
+                <a:solidFill>
+                  <a:srgbClr val="FFFFFF"/>
+                </a:solidFill>
+                <a:latin typeface="Times New Roman"/>
+                <a:ea typeface="Times New Roman"/>
+                <a:cs typeface="Times New Roman"/>
+                <a:sym typeface="Times New Roman"/>
+              </a:rPr>
+              <a:t> </a:t>
+            </a:r>
+            <a:r>
+              <a:rPr lang="en-US" sz="2800" dirty="0" err="1">
+                <a:solidFill>
+                  <a:srgbClr val="FFFFFF"/>
+                </a:solidFill>
+                <a:latin typeface="Times New Roman"/>
+                <a:ea typeface="Times New Roman"/>
+                <a:cs typeface="Times New Roman"/>
+                <a:sym typeface="Times New Roman"/>
+              </a:rPr>
+              <a:t>bởi</a:t>
+            </a:r>
+            <a:r>
+              <a:rPr lang="en-US" sz="2800" dirty="0">
+                <a:solidFill>
+                  <a:srgbClr val="FFFFFF"/>
+                </a:solidFill>
+                <a:latin typeface="Times New Roman"/>
+                <a:ea typeface="Times New Roman"/>
+                <a:cs typeface="Times New Roman"/>
+                <a:sym typeface="Times New Roman"/>
+              </a:rPr>
+              <a:t> Evan You, </a:t>
+            </a:r>
+            <a:r>
+              <a:rPr lang="en-US" sz="2800" dirty="0" err="1">
+                <a:solidFill>
+                  <a:srgbClr val="FFFFFF"/>
+                </a:solidFill>
+                <a:latin typeface="Times New Roman"/>
+                <a:ea typeface="Times New Roman"/>
+                <a:cs typeface="Times New Roman"/>
+                <a:sym typeface="Times New Roman"/>
+              </a:rPr>
+              <a:t>người</a:t>
+            </a:r>
+            <a:r>
+              <a:rPr lang="en-US" sz="2800" dirty="0">
+                <a:solidFill>
+                  <a:srgbClr val="FFFFFF"/>
+                </a:solidFill>
+                <a:latin typeface="Times New Roman"/>
+                <a:ea typeface="Times New Roman"/>
+                <a:cs typeface="Times New Roman"/>
+                <a:sym typeface="Times New Roman"/>
+              </a:rPr>
+              <a:t> </a:t>
+            </a:r>
+            <a:r>
+              <a:rPr lang="en-US" sz="2800" dirty="0" err="1">
+                <a:solidFill>
+                  <a:srgbClr val="FFFFFF"/>
+                </a:solidFill>
+                <a:latin typeface="Times New Roman"/>
+                <a:ea typeface="Times New Roman"/>
+                <a:cs typeface="Times New Roman"/>
+                <a:sym typeface="Times New Roman"/>
+              </a:rPr>
+              <a:t>đã</a:t>
+            </a:r>
+            <a:r>
+              <a:rPr lang="en-US" sz="2800" dirty="0">
+                <a:solidFill>
+                  <a:srgbClr val="FFFFFF"/>
+                </a:solidFill>
+                <a:latin typeface="Times New Roman"/>
+                <a:ea typeface="Times New Roman"/>
+                <a:cs typeface="Times New Roman"/>
+                <a:sym typeface="Times New Roman"/>
+              </a:rPr>
+              <a:t> </a:t>
+            </a:r>
+            <a:r>
+              <a:rPr lang="en-US" sz="2800" dirty="0" err="1">
+                <a:solidFill>
+                  <a:srgbClr val="FFFFFF"/>
+                </a:solidFill>
+                <a:latin typeface="Times New Roman"/>
+                <a:ea typeface="Times New Roman"/>
+                <a:cs typeface="Times New Roman"/>
+                <a:sym typeface="Times New Roman"/>
+              </a:rPr>
+              <a:t>phát</a:t>
+            </a:r>
+            <a:r>
+              <a:rPr lang="en-US" sz="2800" dirty="0">
+                <a:solidFill>
+                  <a:srgbClr val="FFFFFF"/>
+                </a:solidFill>
+                <a:latin typeface="Times New Roman"/>
+                <a:ea typeface="Times New Roman"/>
+                <a:cs typeface="Times New Roman"/>
+                <a:sym typeface="Times New Roman"/>
+              </a:rPr>
+              <a:t> </a:t>
+            </a:r>
+            <a:r>
+              <a:rPr lang="en-US" sz="2800" dirty="0" err="1">
+                <a:solidFill>
+                  <a:srgbClr val="FFFFFF"/>
+                </a:solidFill>
+                <a:latin typeface="Times New Roman"/>
+                <a:ea typeface="Times New Roman"/>
+                <a:cs typeface="Times New Roman"/>
+                <a:sym typeface="Times New Roman"/>
+              </a:rPr>
+              <a:t>triển</a:t>
+            </a:r>
+            <a:r>
+              <a:rPr lang="en-US" sz="2800" dirty="0">
+                <a:solidFill>
+                  <a:srgbClr val="FFFFFF"/>
+                </a:solidFill>
+                <a:latin typeface="Times New Roman"/>
+                <a:ea typeface="Times New Roman"/>
+                <a:cs typeface="Times New Roman"/>
+                <a:sym typeface="Times New Roman"/>
+              </a:rPr>
+              <a:t> Vue.js, </a:t>
             </a:r>
             <a:r>
               <a:rPr lang="en-US" sz="2800" dirty="0" err="1">
@@ -16850,151 +17273,535 @@
                 <a:cs typeface="Times New Roman"/>
                 <a:sym typeface="Times New Roman"/>
               </a:rPr>
-              <a:t> (</a:t>
-            </a:r>
-            <a:r>
-              <a:rPr lang="en-US" sz="2800" dirty="0" err="1">
-                <a:solidFill>
-                  <a:srgbClr val="FFFFFF"/>
-                </a:solidFill>
-                <a:latin typeface="Times New Roman"/>
-                <a:ea typeface="Times New Roman"/>
-                <a:cs typeface="Times New Roman"/>
-                <a:sym typeface="Times New Roman"/>
-              </a:rPr>
-              <a:t>phát</a:t>
-            </a:r>
-            <a:r>
-              <a:rPr lang="en-US" sz="2800" dirty="0">
-                <a:solidFill>
-                  <a:srgbClr val="FFFFFF"/>
-                </a:solidFill>
-                <a:latin typeface="Times New Roman"/>
-                <a:ea typeface="Times New Roman"/>
-                <a:cs typeface="Times New Roman"/>
-                <a:sym typeface="Times New Roman"/>
-              </a:rPr>
-              <a:t> </a:t>
-            </a:r>
-            <a:r>
-              <a:rPr lang="en-US" sz="2800" dirty="0" err="1">
-                <a:solidFill>
-                  <a:srgbClr val="FFFFFF"/>
-                </a:solidFill>
-                <a:latin typeface="Times New Roman"/>
-                <a:ea typeface="Times New Roman"/>
-                <a:cs typeface="Times New Roman"/>
-                <a:sym typeface="Times New Roman"/>
-              </a:rPr>
-              <a:t>âm</a:t>
-            </a:r>
-            <a:r>
-              <a:rPr lang="en-US" sz="2800" dirty="0">
-                <a:solidFill>
-                  <a:srgbClr val="FFFFFF"/>
-                </a:solidFill>
-                <a:latin typeface="Times New Roman"/>
-                <a:ea typeface="Times New Roman"/>
-                <a:cs typeface="Times New Roman"/>
-                <a:sym typeface="Times New Roman"/>
-              </a:rPr>
-              <a:t> </a:t>
-            </a:r>
-            <a:r>
-              <a:rPr lang="en-US" sz="2800" dirty="0" err="1">
-                <a:solidFill>
-                  <a:srgbClr val="FFFFFF"/>
-                </a:solidFill>
-                <a:latin typeface="Times New Roman"/>
-                <a:ea typeface="Times New Roman"/>
-                <a:cs typeface="Times New Roman"/>
-                <a:sym typeface="Times New Roman"/>
-              </a:rPr>
-              <a:t>là</a:t>
-            </a:r>
-            <a:r>
-              <a:rPr lang="en-US" sz="2800" dirty="0">
-                <a:solidFill>
-                  <a:srgbClr val="FFFFFF"/>
-                </a:solidFill>
-                <a:latin typeface="Times New Roman"/>
-                <a:ea typeface="Times New Roman"/>
-                <a:cs typeface="Times New Roman"/>
-                <a:sym typeface="Times New Roman"/>
-              </a:rPr>
-              <a:t> "vit", </a:t>
-            </a:r>
-            <a:r>
-              <a:rPr lang="en-US" sz="2800" dirty="0" err="1">
-                <a:solidFill>
-                  <a:srgbClr val="FFFFFF"/>
-                </a:solidFill>
-                <a:latin typeface="Times New Roman"/>
-                <a:ea typeface="Times New Roman"/>
-                <a:cs typeface="Times New Roman"/>
-                <a:sym typeface="Times New Roman"/>
-              </a:rPr>
-              <a:t>nghĩa</a:t>
-            </a:r>
-            <a:r>
-              <a:rPr lang="en-US" sz="2800" dirty="0">
-                <a:solidFill>
-                  <a:srgbClr val="FFFFFF"/>
-                </a:solidFill>
-                <a:latin typeface="Times New Roman"/>
-                <a:ea typeface="Times New Roman"/>
-                <a:cs typeface="Times New Roman"/>
-                <a:sym typeface="Times New Roman"/>
-              </a:rPr>
-              <a:t> </a:t>
-            </a:r>
-            <a:r>
-              <a:rPr lang="en-US" sz="2800" dirty="0" err="1">
-                <a:solidFill>
-                  <a:srgbClr val="FFFFFF"/>
-                </a:solidFill>
-                <a:latin typeface="Times New Roman"/>
-                <a:ea typeface="Times New Roman"/>
-                <a:cs typeface="Times New Roman"/>
-                <a:sym typeface="Times New Roman"/>
-              </a:rPr>
-              <a:t>là</a:t>
-            </a:r>
-            <a:r>
-              <a:rPr lang="en-US" sz="2800" dirty="0">
-                <a:solidFill>
-                  <a:srgbClr val="FFFFFF"/>
-                </a:solidFill>
-                <a:latin typeface="Times New Roman"/>
-                <a:ea typeface="Times New Roman"/>
-                <a:cs typeface="Times New Roman"/>
-                <a:sym typeface="Times New Roman"/>
-              </a:rPr>
-              <a:t> "</a:t>
-            </a:r>
-            <a:r>
-              <a:rPr lang="en-US" sz="2800" dirty="0" err="1">
-                <a:solidFill>
-                  <a:srgbClr val="FFFFFF"/>
-                </a:solidFill>
-                <a:latin typeface="Times New Roman"/>
-                <a:ea typeface="Times New Roman"/>
-                <a:cs typeface="Times New Roman"/>
-                <a:sym typeface="Times New Roman"/>
-              </a:rPr>
-              <a:t>nhanh</a:t>
-            </a:r>
-            <a:r>
-              <a:rPr lang="en-US" sz="2800" dirty="0">
-                <a:solidFill>
-                  <a:srgbClr val="FFFFFF"/>
-                </a:solidFill>
-                <a:latin typeface="Times New Roman"/>
-                <a:ea typeface="Times New Roman"/>
-                <a:cs typeface="Times New Roman"/>
-                <a:sym typeface="Times New Roman"/>
-              </a:rPr>
-              <a:t>" </a:t>
+              <a:t> </a:t>
+            </a:r>
+            <a:r>
+              <a:rPr lang="en-US" sz="2800" dirty="0" err="1">
+                <a:solidFill>
+                  <a:srgbClr val="FFFFFF"/>
+                </a:solidFill>
+                <a:latin typeface="Times New Roman"/>
+                <a:ea typeface="Times New Roman"/>
+                <a:cs typeface="Times New Roman"/>
+                <a:sym typeface="Times New Roman"/>
+              </a:rPr>
+              <a:t>ra</a:t>
+            </a:r>
+            <a:r>
+              <a:rPr lang="en-US" sz="2800" dirty="0">
+                <a:solidFill>
+                  <a:srgbClr val="FFFFFF"/>
+                </a:solidFill>
+                <a:latin typeface="Times New Roman"/>
+                <a:ea typeface="Times New Roman"/>
+                <a:cs typeface="Times New Roman"/>
+                <a:sym typeface="Times New Roman"/>
+              </a:rPr>
+              <a:t> </a:t>
+            </a:r>
+            <a:r>
+              <a:rPr lang="en-US" sz="2800" dirty="0" err="1">
+                <a:solidFill>
+                  <a:srgbClr val="FFFFFF"/>
+                </a:solidFill>
+                <a:latin typeface="Times New Roman"/>
+                <a:ea typeface="Times New Roman"/>
+                <a:cs typeface="Times New Roman"/>
+                <a:sym typeface="Times New Roman"/>
+              </a:rPr>
+              <a:t>đời</a:t>
+            </a:r>
+            <a:r>
+              <a:rPr lang="en-US" sz="2800" dirty="0">
+                <a:solidFill>
+                  <a:srgbClr val="FFFFFF"/>
+                </a:solidFill>
+                <a:latin typeface="Times New Roman"/>
+                <a:ea typeface="Times New Roman"/>
+                <a:cs typeface="Times New Roman"/>
+                <a:sym typeface="Times New Roman"/>
+              </a:rPr>
+              <a:t> </a:t>
+            </a:r>
+            <a:r>
+              <a:rPr lang="en-US" sz="2800" dirty="0" err="1">
+                <a:solidFill>
+                  <a:srgbClr val="FFFFFF"/>
+                </a:solidFill>
+                <a:latin typeface="Times New Roman"/>
+                <a:ea typeface="Times New Roman"/>
+                <a:cs typeface="Times New Roman"/>
+                <a:sym typeface="Times New Roman"/>
+              </a:rPr>
+              <a:t>mục</a:t>
+            </a:r>
+            <a:r>
+              <a:rPr lang="en-US" sz="2800" dirty="0">
+                <a:solidFill>
+                  <a:srgbClr val="FFFFFF"/>
+                </a:solidFill>
+                <a:latin typeface="Times New Roman"/>
+                <a:ea typeface="Times New Roman"/>
+                <a:cs typeface="Times New Roman"/>
+                <a:sym typeface="Times New Roman"/>
+              </a:rPr>
+              <a:t> </a:t>
+            </a:r>
+            <a:r>
+              <a:rPr lang="en-US" sz="2800" dirty="0" err="1">
+                <a:solidFill>
+                  <a:srgbClr val="FFFFFF"/>
+                </a:solidFill>
+                <a:latin typeface="Times New Roman"/>
+                <a:ea typeface="Times New Roman"/>
+                <a:cs typeface="Times New Roman"/>
+                <a:sym typeface="Times New Roman"/>
+              </a:rPr>
+              <a:t>đích</a:t>
+            </a:r>
+            <a:r>
+              <a:rPr lang="en-US" sz="2800" dirty="0">
+                <a:solidFill>
+                  <a:srgbClr val="FFFFFF"/>
+                </a:solidFill>
+                <a:latin typeface="Times New Roman"/>
+                <a:ea typeface="Times New Roman"/>
+                <a:cs typeface="Times New Roman"/>
+                <a:sym typeface="Times New Roman"/>
+              </a:rPr>
+              <a:t> </a:t>
+            </a:r>
+            <a:r>
+              <a:rPr lang="en-US" sz="2800" dirty="0" err="1">
+                <a:solidFill>
+                  <a:srgbClr val="FFFFFF"/>
+                </a:solidFill>
+                <a:latin typeface="Times New Roman"/>
+                <a:ea typeface="Times New Roman"/>
+                <a:cs typeface="Times New Roman"/>
+                <a:sym typeface="Times New Roman"/>
+              </a:rPr>
+              <a:t>khắc</a:t>
+            </a:r>
+            <a:r>
+              <a:rPr lang="en-US" sz="2800" dirty="0">
+                <a:solidFill>
+                  <a:srgbClr val="FFFFFF"/>
+                </a:solidFill>
+                <a:latin typeface="Times New Roman"/>
+                <a:ea typeface="Times New Roman"/>
+                <a:cs typeface="Times New Roman"/>
+                <a:sym typeface="Times New Roman"/>
+              </a:rPr>
+              <a:t> </a:t>
+            </a:r>
+            <a:r>
+              <a:rPr lang="en-US" sz="2800" dirty="0" err="1">
+                <a:solidFill>
+                  <a:srgbClr val="FFFFFF"/>
+                </a:solidFill>
+                <a:latin typeface="Times New Roman"/>
+                <a:ea typeface="Times New Roman"/>
+                <a:cs typeface="Times New Roman"/>
+                <a:sym typeface="Times New Roman"/>
+              </a:rPr>
+              <a:t>phục</a:t>
+            </a:r>
+            <a:r>
+              <a:rPr lang="en-US" sz="2800" dirty="0">
+                <a:solidFill>
+                  <a:srgbClr val="FFFFFF"/>
+                </a:solidFill>
+                <a:latin typeface="Times New Roman"/>
+                <a:ea typeface="Times New Roman"/>
+                <a:cs typeface="Times New Roman"/>
+                <a:sym typeface="Times New Roman"/>
+              </a:rPr>
+              <a:t> </a:t>
+            </a:r>
+            <a:r>
+              <a:rPr lang="en-US" sz="2800" dirty="0" err="1">
+                <a:solidFill>
+                  <a:srgbClr val="FFFFFF"/>
+                </a:solidFill>
+                <a:latin typeface="Times New Roman"/>
+                <a:ea typeface="Times New Roman"/>
+                <a:cs typeface="Times New Roman"/>
+                <a:sym typeface="Times New Roman"/>
+              </a:rPr>
+              <a:t>những</a:t>
+            </a:r>
+            <a:r>
+              <a:rPr lang="en-US" sz="2800" dirty="0">
+                <a:solidFill>
+                  <a:srgbClr val="FFFFFF"/>
+                </a:solidFill>
+                <a:latin typeface="Times New Roman"/>
+                <a:ea typeface="Times New Roman"/>
+                <a:cs typeface="Times New Roman"/>
+                <a:sym typeface="Times New Roman"/>
+              </a:rPr>
+              <a:t> </a:t>
+            </a:r>
+            <a:r>
+              <a:rPr lang="en-US" sz="2800" dirty="0" err="1">
+                <a:solidFill>
+                  <a:srgbClr val="FFFFFF"/>
+                </a:solidFill>
+                <a:latin typeface="Times New Roman"/>
+                <a:ea typeface="Times New Roman"/>
+                <a:cs typeface="Times New Roman"/>
+                <a:sym typeface="Times New Roman"/>
+              </a:rPr>
+              <a:t>hạn</a:t>
+            </a:r>
+            <a:r>
+              <a:rPr lang="en-US" sz="2800" dirty="0">
+                <a:solidFill>
+                  <a:srgbClr val="FFFFFF"/>
+                </a:solidFill>
+                <a:latin typeface="Times New Roman"/>
+                <a:ea typeface="Times New Roman"/>
+                <a:cs typeface="Times New Roman"/>
+                <a:sym typeface="Times New Roman"/>
+              </a:rPr>
+              <a:t> </a:t>
+            </a:r>
+            <a:r>
+              <a:rPr lang="en-US" sz="2800" dirty="0" err="1">
+                <a:solidFill>
+                  <a:srgbClr val="FFFFFF"/>
+                </a:solidFill>
+                <a:latin typeface="Times New Roman"/>
+                <a:ea typeface="Times New Roman"/>
+                <a:cs typeface="Times New Roman"/>
+                <a:sym typeface="Times New Roman"/>
+              </a:rPr>
+              <a:t>chế</a:t>
+            </a:r>
+            <a:r>
+              <a:rPr lang="en-US" sz="2800" dirty="0">
+                <a:solidFill>
+                  <a:srgbClr val="FFFFFF"/>
+                </a:solidFill>
+                <a:latin typeface="Times New Roman"/>
+                <a:ea typeface="Times New Roman"/>
+                <a:cs typeface="Times New Roman"/>
+                <a:sym typeface="Times New Roman"/>
+              </a:rPr>
+              <a:t> </a:t>
+            </a:r>
+            <a:r>
+              <a:rPr lang="en-US" sz="2800" dirty="0" err="1">
+                <a:solidFill>
+                  <a:srgbClr val="FFFFFF"/>
+                </a:solidFill>
+                <a:latin typeface="Times New Roman"/>
+                <a:ea typeface="Times New Roman"/>
+                <a:cs typeface="Times New Roman"/>
+                <a:sym typeface="Times New Roman"/>
+              </a:rPr>
+              <a:t>về</a:t>
+            </a:r>
+            <a:r>
+              <a:rPr lang="en-US" sz="2800" dirty="0">
+                <a:solidFill>
+                  <a:srgbClr val="FFFFFF"/>
+                </a:solidFill>
+                <a:latin typeface="Times New Roman"/>
+                <a:ea typeface="Times New Roman"/>
+                <a:cs typeface="Times New Roman"/>
+                <a:sym typeface="Times New Roman"/>
+              </a:rPr>
+              <a:t> </a:t>
+            </a:r>
+            <a:r>
+              <a:rPr lang="en-US" sz="2800" dirty="0" err="1">
+                <a:solidFill>
+                  <a:srgbClr val="FFFFFF"/>
+                </a:solidFill>
+                <a:latin typeface="Times New Roman"/>
+                <a:ea typeface="Times New Roman"/>
+                <a:cs typeface="Times New Roman"/>
+                <a:sym typeface="Times New Roman"/>
+              </a:rPr>
+              <a:t>tốc</a:t>
+            </a:r>
+            <a:r>
+              <a:rPr lang="en-US" sz="2800" dirty="0">
+                <a:solidFill>
+                  <a:srgbClr val="FFFFFF"/>
+                </a:solidFill>
+                <a:latin typeface="Times New Roman"/>
+                <a:ea typeface="Times New Roman"/>
+                <a:cs typeface="Times New Roman"/>
+                <a:sym typeface="Times New Roman"/>
+              </a:rPr>
+              <a:t> </a:t>
+            </a:r>
+            <a:r>
+              <a:rPr lang="en-US" sz="2800" dirty="0" err="1">
+                <a:solidFill>
+                  <a:srgbClr val="FFFFFF"/>
+                </a:solidFill>
+                <a:latin typeface="Times New Roman"/>
+                <a:ea typeface="Times New Roman"/>
+                <a:cs typeface="Times New Roman"/>
+                <a:sym typeface="Times New Roman"/>
+              </a:rPr>
+              <a:t>độ</a:t>
+            </a:r>
+            <a:r>
+              <a:rPr lang="en-US" sz="2800" dirty="0">
+                <a:solidFill>
+                  <a:srgbClr val="FFFFFF"/>
+                </a:solidFill>
+                <a:latin typeface="Times New Roman"/>
+                <a:ea typeface="Times New Roman"/>
+                <a:cs typeface="Times New Roman"/>
+                <a:sym typeface="Times New Roman"/>
+              </a:rPr>
+              <a:t> </a:t>
+            </a:r>
+            <a:r>
+              <a:rPr lang="en-US" sz="2800" dirty="0" err="1">
+                <a:solidFill>
+                  <a:srgbClr val="FFFFFF"/>
+                </a:solidFill>
+                <a:latin typeface="Times New Roman"/>
+                <a:ea typeface="Times New Roman"/>
+                <a:cs typeface="Times New Roman"/>
+                <a:sym typeface="Times New Roman"/>
+              </a:rPr>
+              <a:t>và</a:t>
+            </a:r>
+            <a:r>
+              <a:rPr lang="en-US" sz="2800" dirty="0">
+                <a:solidFill>
+                  <a:srgbClr val="FFFFFF"/>
+                </a:solidFill>
+                <a:latin typeface="Times New Roman"/>
+                <a:ea typeface="Times New Roman"/>
+                <a:cs typeface="Times New Roman"/>
+                <a:sym typeface="Times New Roman"/>
+              </a:rPr>
+              <a:t> </a:t>
+            </a:r>
+            <a:r>
+              <a:rPr lang="en-US" sz="2800" dirty="0" err="1">
+                <a:solidFill>
+                  <a:srgbClr val="FFFFFF"/>
+                </a:solidFill>
+                <a:latin typeface="Times New Roman"/>
+                <a:ea typeface="Times New Roman"/>
+                <a:cs typeface="Times New Roman"/>
+                <a:sym typeface="Times New Roman"/>
+              </a:rPr>
+              <a:t>hiệu</a:t>
+            </a:r>
+            <a:r>
+              <a:rPr lang="en-US" sz="2800" dirty="0">
+                <a:solidFill>
+                  <a:srgbClr val="FFFFFF"/>
+                </a:solidFill>
+                <a:latin typeface="Times New Roman"/>
+                <a:ea typeface="Times New Roman"/>
+                <a:cs typeface="Times New Roman"/>
+                <a:sym typeface="Times New Roman"/>
+              </a:rPr>
+              <a:t> </a:t>
+            </a:r>
+            <a:r>
+              <a:rPr lang="en-US" sz="2800" dirty="0" err="1">
+                <a:solidFill>
+                  <a:srgbClr val="FFFFFF"/>
+                </a:solidFill>
+                <a:latin typeface="Times New Roman"/>
+                <a:ea typeface="Times New Roman"/>
+                <a:cs typeface="Times New Roman"/>
+                <a:sym typeface="Times New Roman"/>
+              </a:rPr>
+              <a:t>suất</a:t>
+            </a:r>
+            <a:r>
+              <a:rPr lang="en-US" sz="2800" dirty="0">
+                <a:solidFill>
+                  <a:srgbClr val="FFFFFF"/>
+                </a:solidFill>
+                <a:latin typeface="Times New Roman"/>
+                <a:ea typeface="Times New Roman"/>
+                <a:cs typeface="Times New Roman"/>
+                <a:sym typeface="Times New Roman"/>
+              </a:rPr>
+              <a:t>. </a:t>
+            </a:r>
+            <a:r>
+              <a:rPr lang="en-US" sz="2800" dirty="0" err="1">
+                <a:solidFill>
+                  <a:srgbClr val="FFFFFF"/>
+                </a:solidFill>
+                <a:latin typeface="Times New Roman"/>
+                <a:ea typeface="Times New Roman"/>
+                <a:cs typeface="Times New Roman"/>
+                <a:sym typeface="Times New Roman"/>
+              </a:rPr>
+              <a:t>Vite</a:t>
+            </a:r>
+            <a:r>
+              <a:rPr lang="en-US" sz="2800" dirty="0">
+                <a:solidFill>
+                  <a:srgbClr val="FFFFFF"/>
+                </a:solidFill>
+                <a:latin typeface="Times New Roman"/>
+                <a:ea typeface="Times New Roman"/>
+                <a:cs typeface="Times New Roman"/>
+                <a:sym typeface="Times New Roman"/>
+              </a:rPr>
+              <a:t> </a:t>
+            </a:r>
+            <a:r>
+              <a:rPr lang="en-US" sz="2800" dirty="0" err="1">
+                <a:solidFill>
+                  <a:srgbClr val="FFFFFF"/>
+                </a:solidFill>
+                <a:latin typeface="Times New Roman"/>
+                <a:ea typeface="Times New Roman"/>
+                <a:cs typeface="Times New Roman"/>
+                <a:sym typeface="Times New Roman"/>
+              </a:rPr>
+              <a:t>mang</a:t>
+            </a:r>
+            <a:r>
+              <a:rPr lang="en-US" sz="2800" dirty="0">
+                <a:solidFill>
+                  <a:srgbClr val="FFFFFF"/>
+                </a:solidFill>
+                <a:latin typeface="Times New Roman"/>
+                <a:ea typeface="Times New Roman"/>
+                <a:cs typeface="Times New Roman"/>
+                <a:sym typeface="Times New Roman"/>
+              </a:rPr>
+              <a:t> </a:t>
+            </a:r>
+            <a:r>
+              <a:rPr lang="en-US" sz="2800" dirty="0" err="1">
+                <a:solidFill>
+                  <a:srgbClr val="FFFFFF"/>
+                </a:solidFill>
+                <a:latin typeface="Times New Roman"/>
+                <a:ea typeface="Times New Roman"/>
+                <a:cs typeface="Times New Roman"/>
+                <a:sym typeface="Times New Roman"/>
+              </a:rPr>
+              <a:t>đến</a:t>
+            </a:r>
+            <a:r>
+              <a:rPr lang="en-US" sz="2800" dirty="0">
+                <a:solidFill>
+                  <a:srgbClr val="FFFFFF"/>
+                </a:solidFill>
+                <a:latin typeface="Times New Roman"/>
+                <a:ea typeface="Times New Roman"/>
+                <a:cs typeface="Times New Roman"/>
+                <a:sym typeface="Times New Roman"/>
+              </a:rPr>
+              <a:t> </a:t>
+            </a:r>
+            <a:r>
+              <a:rPr lang="en-US" sz="2800" dirty="0" err="1">
+                <a:solidFill>
+                  <a:srgbClr val="FFFFFF"/>
+                </a:solidFill>
+                <a:latin typeface="Times New Roman"/>
+                <a:ea typeface="Times New Roman"/>
+                <a:cs typeface="Times New Roman"/>
+                <a:sym typeface="Times New Roman"/>
+              </a:rPr>
+              <a:t>cách</a:t>
+            </a:r>
+            <a:r>
+              <a:rPr lang="en-US" sz="2800" dirty="0">
+                <a:solidFill>
+                  <a:srgbClr val="FFFFFF"/>
+                </a:solidFill>
+                <a:latin typeface="Times New Roman"/>
+                <a:ea typeface="Times New Roman"/>
+                <a:cs typeface="Times New Roman"/>
+                <a:sym typeface="Times New Roman"/>
+              </a:rPr>
+              <a:t> </a:t>
+            </a:r>
+            <a:r>
+              <a:rPr lang="en-US" sz="2800" dirty="0" err="1">
+                <a:solidFill>
+                  <a:srgbClr val="FFFFFF"/>
+                </a:solidFill>
+                <a:latin typeface="Times New Roman"/>
+                <a:ea typeface="Times New Roman"/>
+                <a:cs typeface="Times New Roman"/>
+                <a:sym typeface="Times New Roman"/>
+              </a:rPr>
+              <a:t>tiếp</a:t>
+            </a:r>
+            <a:r>
+              <a:rPr lang="en-US" sz="2800" dirty="0">
+                <a:solidFill>
+                  <a:srgbClr val="FFFFFF"/>
+                </a:solidFill>
+                <a:latin typeface="Times New Roman"/>
+                <a:ea typeface="Times New Roman"/>
+                <a:cs typeface="Times New Roman"/>
+                <a:sym typeface="Times New Roman"/>
+              </a:rPr>
+              <a:t> </a:t>
+            </a:r>
+            <a:r>
+              <a:rPr lang="en-US" sz="2800" dirty="0" err="1">
+                <a:solidFill>
+                  <a:srgbClr val="FFFFFF"/>
+                </a:solidFill>
+                <a:latin typeface="Times New Roman"/>
+                <a:ea typeface="Times New Roman"/>
+                <a:cs typeface="Times New Roman"/>
+                <a:sym typeface="Times New Roman"/>
+              </a:rPr>
+              <a:t>cận</a:t>
+            </a:r>
+            <a:r>
+              <a:rPr lang="en-US" sz="2800" dirty="0">
+                <a:solidFill>
+                  <a:srgbClr val="FFFFFF"/>
+                </a:solidFill>
+                <a:latin typeface="Times New Roman"/>
+                <a:ea typeface="Times New Roman"/>
+                <a:cs typeface="Times New Roman"/>
+                <a:sym typeface="Times New Roman"/>
+              </a:rPr>
+              <a:t> </a:t>
+            </a:r>
+            <a:r>
+              <a:rPr lang="en-US" sz="2800" dirty="0" err="1">
+                <a:solidFill>
+                  <a:srgbClr val="FFFFFF"/>
+                </a:solidFill>
+                <a:latin typeface="Times New Roman"/>
+                <a:ea typeface="Times New Roman"/>
+                <a:cs typeface="Times New Roman"/>
+                <a:sym typeface="Times New Roman"/>
+              </a:rPr>
+              <a:t>mới</a:t>
+            </a:r>
+            <a:r>
+              <a:rPr lang="en-US" sz="2800" dirty="0">
+                <a:solidFill>
+                  <a:srgbClr val="FFFFFF"/>
+                </a:solidFill>
+                <a:latin typeface="Times New Roman"/>
+                <a:ea typeface="Times New Roman"/>
+                <a:cs typeface="Times New Roman"/>
+                <a:sym typeface="Times New Roman"/>
+              </a:rPr>
+              <a:t> </a:t>
             </a:r>
             <a:r>
               <a:rPr lang="en-US" sz="2800" dirty="0" err="1">
@@ -17030,1062 +17837,6 @@
                 <a:cs typeface="Times New Roman"/>
                 <a:sym typeface="Times New Roman"/>
               </a:rPr>
-              <a:t>tiếng</a:t>
-            </a:r>
-            <a:r>
-              <a:rPr lang="en-US" sz="2800" dirty="0">
-                <a:solidFill>
-                  <a:srgbClr val="FFFFFF"/>
-                </a:solidFill>
-                <a:latin typeface="Times New Roman"/>
-                <a:ea typeface="Times New Roman"/>
-                <a:cs typeface="Times New Roman"/>
-                <a:sym typeface="Times New Roman"/>
-              </a:rPr>
-              <a:t> </a:t>
-            </a:r>
-            <a:r>
-              <a:rPr lang="en-US" sz="2800" dirty="0" err="1">
-                <a:solidFill>
-                  <a:srgbClr val="FFFFFF"/>
-                </a:solidFill>
-                <a:latin typeface="Times New Roman"/>
-                <a:ea typeface="Times New Roman"/>
-                <a:cs typeface="Times New Roman"/>
-                <a:sym typeface="Times New Roman"/>
-              </a:rPr>
-              <a:t>Pháp</a:t>
-            </a:r>
-            <a:r>
-              <a:rPr lang="en-US" sz="2800" dirty="0">
-                <a:solidFill>
-                  <a:srgbClr val="FFFFFF"/>
-                </a:solidFill>
-                <a:latin typeface="Times New Roman"/>
-                <a:ea typeface="Times New Roman"/>
-                <a:cs typeface="Times New Roman"/>
-                <a:sym typeface="Times New Roman"/>
-              </a:rPr>
-              <a:t>) hay </a:t>
-            </a:r>
-            <a:r>
-              <a:rPr lang="en-US" sz="2800" dirty="0" err="1">
-                <a:solidFill>
-                  <a:srgbClr val="FFFFFF"/>
-                </a:solidFill>
-                <a:latin typeface="Times New Roman"/>
-                <a:ea typeface="Times New Roman"/>
-                <a:cs typeface="Times New Roman"/>
-                <a:sym typeface="Times New Roman"/>
-              </a:rPr>
-              <a:t>Vitejs</a:t>
-            </a:r>
-            <a:r>
-              <a:rPr lang="en-US" sz="2800" dirty="0">
-                <a:solidFill>
-                  <a:srgbClr val="FFFFFF"/>
-                </a:solidFill>
-                <a:latin typeface="Times New Roman"/>
-                <a:ea typeface="Times New Roman"/>
-                <a:cs typeface="Times New Roman"/>
-                <a:sym typeface="Times New Roman"/>
-              </a:rPr>
-              <a:t> </a:t>
-            </a:r>
-            <a:r>
-              <a:rPr lang="en-US" sz="2800" dirty="0" err="1">
-                <a:solidFill>
-                  <a:srgbClr val="FFFFFF"/>
-                </a:solidFill>
-                <a:latin typeface="Times New Roman"/>
-                <a:ea typeface="Times New Roman"/>
-                <a:cs typeface="Times New Roman"/>
-                <a:sym typeface="Times New Roman"/>
-              </a:rPr>
-              <a:t>là</a:t>
-            </a:r>
-            <a:r>
-              <a:rPr lang="en-US" sz="2800" dirty="0">
-                <a:solidFill>
-                  <a:srgbClr val="FFFFFF"/>
-                </a:solidFill>
-                <a:latin typeface="Times New Roman"/>
-                <a:ea typeface="Times New Roman"/>
-                <a:cs typeface="Times New Roman"/>
-                <a:sym typeface="Times New Roman"/>
-              </a:rPr>
-              <a:t> </a:t>
-            </a:r>
-            <a:r>
-              <a:rPr lang="en-US" sz="2800" dirty="0" err="1">
-                <a:solidFill>
-                  <a:srgbClr val="FFFFFF"/>
-                </a:solidFill>
-                <a:latin typeface="Times New Roman"/>
-                <a:ea typeface="Times New Roman"/>
-                <a:cs typeface="Times New Roman"/>
-                <a:sym typeface="Times New Roman"/>
-              </a:rPr>
-              <a:t>một</a:t>
-            </a:r>
-            <a:r>
-              <a:rPr lang="en-US" sz="2800" dirty="0">
-                <a:solidFill>
-                  <a:srgbClr val="FFFFFF"/>
-                </a:solidFill>
-                <a:latin typeface="Times New Roman"/>
-                <a:ea typeface="Times New Roman"/>
-                <a:cs typeface="Times New Roman"/>
-                <a:sym typeface="Times New Roman"/>
-              </a:rPr>
-              <a:t> </a:t>
-            </a:r>
-            <a:r>
-              <a:rPr lang="en-US" sz="2800" dirty="0" err="1">
-                <a:solidFill>
-                  <a:srgbClr val="FFFFFF"/>
-                </a:solidFill>
-                <a:latin typeface="Times New Roman"/>
-                <a:ea typeface="Times New Roman"/>
-                <a:cs typeface="Times New Roman"/>
-                <a:sym typeface="Times New Roman"/>
-              </a:rPr>
-              <a:t>công</a:t>
-            </a:r>
-            <a:r>
-              <a:rPr lang="en-US" sz="2800" dirty="0">
-                <a:solidFill>
-                  <a:srgbClr val="FFFFFF"/>
-                </a:solidFill>
-                <a:latin typeface="Times New Roman"/>
-                <a:ea typeface="Times New Roman"/>
-                <a:cs typeface="Times New Roman"/>
-                <a:sym typeface="Times New Roman"/>
-              </a:rPr>
-              <a:t> </a:t>
-            </a:r>
-            <a:r>
-              <a:rPr lang="en-US" sz="2800" dirty="0" err="1">
-                <a:solidFill>
-                  <a:srgbClr val="FFFFFF"/>
-                </a:solidFill>
-                <a:latin typeface="Times New Roman"/>
-                <a:ea typeface="Times New Roman"/>
-                <a:cs typeface="Times New Roman"/>
-                <a:sym typeface="Times New Roman"/>
-              </a:rPr>
-              <a:t>cụ</a:t>
-            </a:r>
-            <a:r>
-              <a:rPr lang="en-US" sz="2800" dirty="0">
-                <a:solidFill>
-                  <a:srgbClr val="FFFFFF"/>
-                </a:solidFill>
-                <a:latin typeface="Times New Roman"/>
-                <a:ea typeface="Times New Roman"/>
-                <a:cs typeface="Times New Roman"/>
-                <a:sym typeface="Times New Roman"/>
-              </a:rPr>
-              <a:t> build </a:t>
-            </a:r>
-            <a:r>
-              <a:rPr lang="en-US" sz="2800" dirty="0" err="1">
-                <a:solidFill>
-                  <a:srgbClr val="FFFFFF"/>
-                </a:solidFill>
-                <a:latin typeface="Times New Roman"/>
-                <a:ea typeface="Times New Roman"/>
-                <a:cs typeface="Times New Roman"/>
-                <a:sym typeface="Times New Roman"/>
-              </a:rPr>
-              <a:t>và</a:t>
-            </a:r>
-            <a:r>
-              <a:rPr lang="en-US" sz="2800" dirty="0">
-                <a:solidFill>
-                  <a:srgbClr val="FFFFFF"/>
-                </a:solidFill>
-                <a:latin typeface="Times New Roman"/>
-                <a:ea typeface="Times New Roman"/>
-                <a:cs typeface="Times New Roman"/>
-                <a:sym typeface="Times New Roman"/>
-              </a:rPr>
-              <a:t> </a:t>
-            </a:r>
-            <a:r>
-              <a:rPr lang="en-US" sz="2800" dirty="0" err="1">
-                <a:solidFill>
-                  <a:srgbClr val="FFFFFF"/>
-                </a:solidFill>
-                <a:latin typeface="Times New Roman"/>
-                <a:ea typeface="Times New Roman"/>
-                <a:cs typeface="Times New Roman"/>
-                <a:sym typeface="Times New Roman"/>
-              </a:rPr>
-              <a:t>phát</a:t>
-            </a:r>
-            <a:r>
-              <a:rPr lang="en-US" sz="2800" dirty="0">
-                <a:solidFill>
-                  <a:srgbClr val="FFFFFF"/>
-                </a:solidFill>
-                <a:latin typeface="Times New Roman"/>
-                <a:ea typeface="Times New Roman"/>
-                <a:cs typeface="Times New Roman"/>
-                <a:sym typeface="Times New Roman"/>
-              </a:rPr>
-              <a:t> </a:t>
-            </a:r>
-            <a:r>
-              <a:rPr lang="en-US" sz="2800" dirty="0" err="1">
-                <a:solidFill>
-                  <a:srgbClr val="FFFFFF"/>
-                </a:solidFill>
-                <a:latin typeface="Times New Roman"/>
-                <a:ea typeface="Times New Roman"/>
-                <a:cs typeface="Times New Roman"/>
-                <a:sym typeface="Times New Roman"/>
-              </a:rPr>
-              <a:t>triển</a:t>
-            </a:r>
-            <a:r>
-              <a:rPr lang="en-US" sz="2800" dirty="0">
-                <a:solidFill>
-                  <a:srgbClr val="FFFFFF"/>
-                </a:solidFill>
-                <a:latin typeface="Times New Roman"/>
-                <a:ea typeface="Times New Roman"/>
-                <a:cs typeface="Times New Roman"/>
-                <a:sym typeface="Times New Roman"/>
-              </a:rPr>
-              <a:t> </a:t>
-            </a:r>
-            <a:r>
-              <a:rPr lang="en-US" sz="2800" dirty="0" err="1">
-                <a:solidFill>
-                  <a:srgbClr val="FFFFFF"/>
-                </a:solidFill>
-                <a:latin typeface="Times New Roman"/>
-                <a:ea typeface="Times New Roman"/>
-                <a:cs typeface="Times New Roman"/>
-                <a:sym typeface="Times New Roman"/>
-              </a:rPr>
-              <a:t>ứng</a:t>
-            </a:r>
-            <a:r>
-              <a:rPr lang="en-US" sz="2800" dirty="0">
-                <a:solidFill>
-                  <a:srgbClr val="FFFFFF"/>
-                </a:solidFill>
-                <a:latin typeface="Times New Roman"/>
-                <a:ea typeface="Times New Roman"/>
-                <a:cs typeface="Times New Roman"/>
-                <a:sym typeface="Times New Roman"/>
-              </a:rPr>
-              <a:t> </a:t>
-            </a:r>
-            <a:r>
-              <a:rPr lang="en-US" sz="2800" dirty="0" err="1">
-                <a:solidFill>
-                  <a:srgbClr val="FFFFFF"/>
-                </a:solidFill>
-                <a:latin typeface="Times New Roman"/>
-                <a:ea typeface="Times New Roman"/>
-                <a:cs typeface="Times New Roman"/>
-                <a:sym typeface="Times New Roman"/>
-              </a:rPr>
-              <a:t>dụng</a:t>
-            </a:r>
-            <a:r>
-              <a:rPr lang="en-US" sz="2800" dirty="0">
-                <a:solidFill>
-                  <a:srgbClr val="FFFFFF"/>
-                </a:solidFill>
-                <a:latin typeface="Times New Roman"/>
-                <a:ea typeface="Times New Roman"/>
-                <a:cs typeface="Times New Roman"/>
-                <a:sym typeface="Times New Roman"/>
-              </a:rPr>
-              <a:t> web </a:t>
-            </a:r>
-            <a:r>
-              <a:rPr lang="en-US" sz="2800" dirty="0" err="1">
-                <a:solidFill>
-                  <a:srgbClr val="FFFFFF"/>
-                </a:solidFill>
-                <a:latin typeface="Times New Roman"/>
-                <a:ea typeface="Times New Roman"/>
-                <a:cs typeface="Times New Roman"/>
-                <a:sym typeface="Times New Roman"/>
-              </a:rPr>
-              <a:t>được</a:t>
-            </a:r>
-            <a:r>
-              <a:rPr lang="en-US" sz="2800" dirty="0">
-                <a:solidFill>
-                  <a:srgbClr val="FFFFFF"/>
-                </a:solidFill>
-                <a:latin typeface="Times New Roman"/>
-                <a:ea typeface="Times New Roman"/>
-                <a:cs typeface="Times New Roman"/>
-                <a:sym typeface="Times New Roman"/>
-              </a:rPr>
-              <a:t> </a:t>
-            </a:r>
-            <a:r>
-              <a:rPr lang="en-US" sz="2800" dirty="0" err="1">
-                <a:solidFill>
-                  <a:srgbClr val="FFFFFF"/>
-                </a:solidFill>
-                <a:latin typeface="Times New Roman"/>
-                <a:ea typeface="Times New Roman"/>
-                <a:cs typeface="Times New Roman"/>
-                <a:sym typeface="Times New Roman"/>
-              </a:rPr>
-              <a:t>tạo</a:t>
-            </a:r>
-            <a:r>
-              <a:rPr lang="en-US" sz="2800" dirty="0">
-                <a:solidFill>
-                  <a:srgbClr val="FFFFFF"/>
-                </a:solidFill>
-                <a:latin typeface="Times New Roman"/>
-                <a:ea typeface="Times New Roman"/>
-                <a:cs typeface="Times New Roman"/>
-                <a:sym typeface="Times New Roman"/>
-              </a:rPr>
-              <a:t> </a:t>
-            </a:r>
-            <a:r>
-              <a:rPr lang="en-US" sz="2800" dirty="0" err="1">
-                <a:solidFill>
-                  <a:srgbClr val="FFFFFF"/>
-                </a:solidFill>
-                <a:latin typeface="Times New Roman"/>
-                <a:ea typeface="Times New Roman"/>
-                <a:cs typeface="Times New Roman"/>
-                <a:sym typeface="Times New Roman"/>
-              </a:rPr>
-              <a:t>ra</a:t>
-            </a:r>
-            <a:r>
-              <a:rPr lang="en-US" sz="2800" dirty="0">
-                <a:solidFill>
-                  <a:srgbClr val="FFFFFF"/>
-                </a:solidFill>
-                <a:latin typeface="Times New Roman"/>
-                <a:ea typeface="Times New Roman"/>
-                <a:cs typeface="Times New Roman"/>
-                <a:sym typeface="Times New Roman"/>
-              </a:rPr>
-              <a:t> </a:t>
-            </a:r>
-            <a:r>
-              <a:rPr lang="en-US" sz="2800" dirty="0" err="1">
-                <a:solidFill>
-                  <a:srgbClr val="FFFFFF"/>
-                </a:solidFill>
-                <a:latin typeface="Times New Roman"/>
-                <a:ea typeface="Times New Roman"/>
-                <a:cs typeface="Times New Roman"/>
-                <a:sym typeface="Times New Roman"/>
-              </a:rPr>
-              <a:t>bởi</a:t>
-            </a:r>
-            <a:r>
-              <a:rPr lang="en-US" sz="2800" dirty="0">
-                <a:solidFill>
-                  <a:srgbClr val="FFFFFF"/>
-                </a:solidFill>
-                <a:latin typeface="Times New Roman"/>
-                <a:ea typeface="Times New Roman"/>
-                <a:cs typeface="Times New Roman"/>
-                <a:sym typeface="Times New Roman"/>
-              </a:rPr>
-              <a:t> Evan You, </a:t>
-            </a:r>
-            <a:r>
-              <a:rPr lang="en-US" sz="2800" dirty="0" err="1">
-                <a:solidFill>
-                  <a:srgbClr val="FFFFFF"/>
-                </a:solidFill>
-                <a:latin typeface="Times New Roman"/>
-                <a:ea typeface="Times New Roman"/>
-                <a:cs typeface="Times New Roman"/>
-                <a:sym typeface="Times New Roman"/>
-              </a:rPr>
-              <a:t>người</a:t>
-            </a:r>
-            <a:r>
-              <a:rPr lang="en-US" sz="2800" dirty="0">
-                <a:solidFill>
-                  <a:srgbClr val="FFFFFF"/>
-                </a:solidFill>
-                <a:latin typeface="Times New Roman"/>
-                <a:ea typeface="Times New Roman"/>
-                <a:cs typeface="Times New Roman"/>
-                <a:sym typeface="Times New Roman"/>
-              </a:rPr>
-              <a:t> </a:t>
-            </a:r>
-            <a:r>
-              <a:rPr lang="en-US" sz="2800" dirty="0" err="1">
-                <a:solidFill>
-                  <a:srgbClr val="FFFFFF"/>
-                </a:solidFill>
-                <a:latin typeface="Times New Roman"/>
-                <a:ea typeface="Times New Roman"/>
-                <a:cs typeface="Times New Roman"/>
-                <a:sym typeface="Times New Roman"/>
-              </a:rPr>
-              <a:t>đã</a:t>
-            </a:r>
-            <a:r>
-              <a:rPr lang="en-US" sz="2800" dirty="0">
-                <a:solidFill>
-                  <a:srgbClr val="FFFFFF"/>
-                </a:solidFill>
-                <a:latin typeface="Times New Roman"/>
-                <a:ea typeface="Times New Roman"/>
-                <a:cs typeface="Times New Roman"/>
-                <a:sym typeface="Times New Roman"/>
-              </a:rPr>
-              <a:t> </a:t>
-            </a:r>
-            <a:r>
-              <a:rPr lang="en-US" sz="2800" dirty="0" err="1">
-                <a:solidFill>
-                  <a:srgbClr val="FFFFFF"/>
-                </a:solidFill>
-                <a:latin typeface="Times New Roman"/>
-                <a:ea typeface="Times New Roman"/>
-                <a:cs typeface="Times New Roman"/>
-                <a:sym typeface="Times New Roman"/>
-              </a:rPr>
-              <a:t>phát</a:t>
-            </a:r>
-            <a:r>
-              <a:rPr lang="en-US" sz="2800" dirty="0">
-                <a:solidFill>
-                  <a:srgbClr val="FFFFFF"/>
-                </a:solidFill>
-                <a:latin typeface="Times New Roman"/>
-                <a:ea typeface="Times New Roman"/>
-                <a:cs typeface="Times New Roman"/>
-                <a:sym typeface="Times New Roman"/>
-              </a:rPr>
-              <a:t> </a:t>
-            </a:r>
-            <a:r>
-              <a:rPr lang="en-US" sz="2800" dirty="0" err="1">
-                <a:solidFill>
-                  <a:srgbClr val="FFFFFF"/>
-                </a:solidFill>
-                <a:latin typeface="Times New Roman"/>
-                <a:ea typeface="Times New Roman"/>
-                <a:cs typeface="Times New Roman"/>
-                <a:sym typeface="Times New Roman"/>
-              </a:rPr>
-              <a:t>triển</a:t>
-            </a:r>
-            <a:r>
-              <a:rPr lang="en-US" sz="2800" dirty="0">
-                <a:solidFill>
-                  <a:srgbClr val="FFFFFF"/>
-                </a:solidFill>
-                <a:latin typeface="Times New Roman"/>
-                <a:ea typeface="Times New Roman"/>
-                <a:cs typeface="Times New Roman"/>
-                <a:sym typeface="Times New Roman"/>
-              </a:rPr>
-              <a:t> Vue.js, </a:t>
-            </a:r>
-            <a:r>
-              <a:rPr lang="en-US" sz="2800" dirty="0" err="1">
-                <a:solidFill>
-                  <a:srgbClr val="FFFFFF"/>
-                </a:solidFill>
-                <a:latin typeface="Times New Roman"/>
-                <a:ea typeface="Times New Roman"/>
-                <a:cs typeface="Times New Roman"/>
-                <a:sym typeface="Times New Roman"/>
-              </a:rPr>
-              <a:t>Vite</a:t>
-            </a:r>
-            <a:r>
-              <a:rPr lang="en-US" sz="2800" dirty="0">
-                <a:solidFill>
-                  <a:srgbClr val="FFFFFF"/>
-                </a:solidFill>
-                <a:latin typeface="Times New Roman"/>
-                <a:ea typeface="Times New Roman"/>
-                <a:cs typeface="Times New Roman"/>
-                <a:sym typeface="Times New Roman"/>
-              </a:rPr>
-              <a:t> </a:t>
-            </a:r>
-            <a:r>
-              <a:rPr lang="en-US" sz="2800" dirty="0" err="1">
-                <a:solidFill>
-                  <a:srgbClr val="FFFFFF"/>
-                </a:solidFill>
-                <a:latin typeface="Times New Roman"/>
-                <a:ea typeface="Times New Roman"/>
-                <a:cs typeface="Times New Roman"/>
-                <a:sym typeface="Times New Roman"/>
-              </a:rPr>
-              <a:t>ra</a:t>
-            </a:r>
-            <a:r>
-              <a:rPr lang="en-US" sz="2800" dirty="0">
-                <a:solidFill>
-                  <a:srgbClr val="FFFFFF"/>
-                </a:solidFill>
-                <a:latin typeface="Times New Roman"/>
-                <a:ea typeface="Times New Roman"/>
-                <a:cs typeface="Times New Roman"/>
-                <a:sym typeface="Times New Roman"/>
-              </a:rPr>
-              <a:t> </a:t>
-            </a:r>
-            <a:r>
-              <a:rPr lang="en-US" sz="2800" dirty="0" err="1">
-                <a:solidFill>
-                  <a:srgbClr val="FFFFFF"/>
-                </a:solidFill>
-                <a:latin typeface="Times New Roman"/>
-                <a:ea typeface="Times New Roman"/>
-                <a:cs typeface="Times New Roman"/>
-                <a:sym typeface="Times New Roman"/>
-              </a:rPr>
-              <a:t>đời</a:t>
-            </a:r>
-            <a:r>
-              <a:rPr lang="en-US" sz="2800" dirty="0">
-                <a:solidFill>
-                  <a:srgbClr val="FFFFFF"/>
-                </a:solidFill>
-                <a:latin typeface="Times New Roman"/>
-                <a:ea typeface="Times New Roman"/>
-                <a:cs typeface="Times New Roman"/>
-                <a:sym typeface="Times New Roman"/>
-              </a:rPr>
-              <a:t> </a:t>
-            </a:r>
-            <a:r>
-              <a:rPr lang="en-US" sz="2800" dirty="0" err="1">
-                <a:solidFill>
-                  <a:srgbClr val="FFFFFF"/>
-                </a:solidFill>
-                <a:latin typeface="Times New Roman"/>
-                <a:ea typeface="Times New Roman"/>
-                <a:cs typeface="Times New Roman"/>
-                <a:sym typeface="Times New Roman"/>
-              </a:rPr>
-              <a:t>mục</a:t>
-            </a:r>
-            <a:r>
-              <a:rPr lang="en-US" sz="2800" dirty="0">
-                <a:solidFill>
-                  <a:srgbClr val="FFFFFF"/>
-                </a:solidFill>
-                <a:latin typeface="Times New Roman"/>
-                <a:ea typeface="Times New Roman"/>
-                <a:cs typeface="Times New Roman"/>
-                <a:sym typeface="Times New Roman"/>
-              </a:rPr>
-              <a:t> </a:t>
-            </a:r>
-            <a:r>
-              <a:rPr lang="en-US" sz="2800" dirty="0" err="1">
-                <a:solidFill>
-                  <a:srgbClr val="FFFFFF"/>
-                </a:solidFill>
-                <a:latin typeface="Times New Roman"/>
-                <a:ea typeface="Times New Roman"/>
-                <a:cs typeface="Times New Roman"/>
-                <a:sym typeface="Times New Roman"/>
-              </a:rPr>
-              <a:t>đích</a:t>
-            </a:r>
-            <a:r>
-              <a:rPr lang="en-US" sz="2800" dirty="0">
-                <a:solidFill>
-                  <a:srgbClr val="FFFFFF"/>
-                </a:solidFill>
-                <a:latin typeface="Times New Roman"/>
-                <a:ea typeface="Times New Roman"/>
-                <a:cs typeface="Times New Roman"/>
-                <a:sym typeface="Times New Roman"/>
-              </a:rPr>
-              <a:t> </a:t>
-            </a:r>
-            <a:r>
-              <a:rPr lang="en-US" sz="2800" dirty="0" err="1">
-                <a:solidFill>
-                  <a:srgbClr val="FFFFFF"/>
-                </a:solidFill>
-                <a:latin typeface="Times New Roman"/>
-                <a:ea typeface="Times New Roman"/>
-                <a:cs typeface="Times New Roman"/>
-                <a:sym typeface="Times New Roman"/>
-              </a:rPr>
-              <a:t>khắc</a:t>
-            </a:r>
-            <a:r>
-              <a:rPr lang="en-US" sz="2800" dirty="0">
-                <a:solidFill>
-                  <a:srgbClr val="FFFFFF"/>
-                </a:solidFill>
-                <a:latin typeface="Times New Roman"/>
-                <a:ea typeface="Times New Roman"/>
-                <a:cs typeface="Times New Roman"/>
-                <a:sym typeface="Times New Roman"/>
-              </a:rPr>
-              <a:t> </a:t>
-            </a:r>
-            <a:r>
-              <a:rPr lang="en-US" sz="2800" dirty="0" err="1">
-                <a:solidFill>
-                  <a:srgbClr val="FFFFFF"/>
-                </a:solidFill>
-                <a:latin typeface="Times New Roman"/>
-                <a:ea typeface="Times New Roman"/>
-                <a:cs typeface="Times New Roman"/>
-                <a:sym typeface="Times New Roman"/>
-              </a:rPr>
-              <a:t>phục</a:t>
-            </a:r>
-            <a:r>
-              <a:rPr lang="en-US" sz="2800" dirty="0">
-                <a:solidFill>
-                  <a:srgbClr val="FFFFFF"/>
-                </a:solidFill>
-                <a:latin typeface="Times New Roman"/>
-                <a:ea typeface="Times New Roman"/>
-                <a:cs typeface="Times New Roman"/>
-                <a:sym typeface="Times New Roman"/>
-              </a:rPr>
-              <a:t> </a:t>
-            </a:r>
-            <a:r>
-              <a:rPr lang="en-US" sz="2800" dirty="0" err="1">
-                <a:solidFill>
-                  <a:srgbClr val="FFFFFF"/>
-                </a:solidFill>
-                <a:latin typeface="Times New Roman"/>
-                <a:ea typeface="Times New Roman"/>
-                <a:cs typeface="Times New Roman"/>
-                <a:sym typeface="Times New Roman"/>
-              </a:rPr>
-              <a:t>những</a:t>
-            </a:r>
-            <a:r>
-              <a:rPr lang="en-US" sz="2800" dirty="0">
-                <a:solidFill>
-                  <a:srgbClr val="FFFFFF"/>
-                </a:solidFill>
-                <a:latin typeface="Times New Roman"/>
-                <a:ea typeface="Times New Roman"/>
-                <a:cs typeface="Times New Roman"/>
-                <a:sym typeface="Times New Roman"/>
-              </a:rPr>
-              <a:t> </a:t>
-            </a:r>
-            <a:r>
-              <a:rPr lang="en-US" sz="2800" dirty="0" err="1">
-                <a:solidFill>
-                  <a:srgbClr val="FFFFFF"/>
-                </a:solidFill>
-                <a:latin typeface="Times New Roman"/>
-                <a:ea typeface="Times New Roman"/>
-                <a:cs typeface="Times New Roman"/>
-                <a:sym typeface="Times New Roman"/>
-              </a:rPr>
-              <a:t>hạn</a:t>
-            </a:r>
-            <a:r>
-              <a:rPr lang="en-US" sz="2800" dirty="0">
-                <a:solidFill>
-                  <a:srgbClr val="FFFFFF"/>
-                </a:solidFill>
-                <a:latin typeface="Times New Roman"/>
-                <a:ea typeface="Times New Roman"/>
-                <a:cs typeface="Times New Roman"/>
-                <a:sym typeface="Times New Roman"/>
-              </a:rPr>
-              <a:t> </a:t>
-            </a:r>
-            <a:r>
-              <a:rPr lang="en-US" sz="2800" dirty="0" err="1">
-                <a:solidFill>
-                  <a:srgbClr val="FFFFFF"/>
-                </a:solidFill>
-                <a:latin typeface="Times New Roman"/>
-                <a:ea typeface="Times New Roman"/>
-                <a:cs typeface="Times New Roman"/>
-                <a:sym typeface="Times New Roman"/>
-              </a:rPr>
-              <a:t>chế</a:t>
-            </a:r>
-            <a:r>
-              <a:rPr lang="en-US" sz="2800" dirty="0">
-                <a:solidFill>
-                  <a:srgbClr val="FFFFFF"/>
-                </a:solidFill>
-                <a:latin typeface="Times New Roman"/>
-                <a:ea typeface="Times New Roman"/>
-                <a:cs typeface="Times New Roman"/>
-                <a:sym typeface="Times New Roman"/>
-              </a:rPr>
-              <a:t> </a:t>
-            </a:r>
-            <a:r>
-              <a:rPr lang="en-US" sz="2800" dirty="0" err="1">
-                <a:solidFill>
-                  <a:srgbClr val="FFFFFF"/>
-                </a:solidFill>
-                <a:latin typeface="Times New Roman"/>
-                <a:ea typeface="Times New Roman"/>
-                <a:cs typeface="Times New Roman"/>
-                <a:sym typeface="Times New Roman"/>
-              </a:rPr>
-              <a:t>về</a:t>
-            </a:r>
-            <a:r>
-              <a:rPr lang="en-US" sz="2800" dirty="0">
-                <a:solidFill>
-                  <a:srgbClr val="FFFFFF"/>
-                </a:solidFill>
-                <a:latin typeface="Times New Roman"/>
-                <a:ea typeface="Times New Roman"/>
-                <a:cs typeface="Times New Roman"/>
-                <a:sym typeface="Times New Roman"/>
-              </a:rPr>
-              <a:t> </a:t>
-            </a:r>
-            <a:r>
-              <a:rPr lang="en-US" sz="2800" dirty="0" err="1">
-                <a:solidFill>
-                  <a:srgbClr val="FFFFFF"/>
-                </a:solidFill>
-                <a:latin typeface="Times New Roman"/>
-                <a:ea typeface="Times New Roman"/>
-                <a:cs typeface="Times New Roman"/>
-                <a:sym typeface="Times New Roman"/>
-              </a:rPr>
-              <a:t>tốc</a:t>
-            </a:r>
-            <a:r>
-              <a:rPr lang="en-US" sz="2800" dirty="0">
-                <a:solidFill>
-                  <a:srgbClr val="FFFFFF"/>
-                </a:solidFill>
-                <a:latin typeface="Times New Roman"/>
-                <a:ea typeface="Times New Roman"/>
-                <a:cs typeface="Times New Roman"/>
-                <a:sym typeface="Times New Roman"/>
-              </a:rPr>
-              <a:t> </a:t>
-            </a:r>
-            <a:r>
-              <a:rPr lang="en-US" sz="2800" dirty="0" err="1">
-                <a:solidFill>
-                  <a:srgbClr val="FFFFFF"/>
-                </a:solidFill>
-                <a:latin typeface="Times New Roman"/>
-                <a:ea typeface="Times New Roman"/>
-                <a:cs typeface="Times New Roman"/>
-                <a:sym typeface="Times New Roman"/>
-              </a:rPr>
-              <a:t>độ</a:t>
-            </a:r>
-            <a:r>
-              <a:rPr lang="en-US" sz="2800" dirty="0">
-                <a:solidFill>
-                  <a:srgbClr val="FFFFFF"/>
-                </a:solidFill>
-                <a:latin typeface="Times New Roman"/>
-                <a:ea typeface="Times New Roman"/>
-                <a:cs typeface="Times New Roman"/>
-                <a:sym typeface="Times New Roman"/>
-              </a:rPr>
-              <a:t> </a:t>
-            </a:r>
-            <a:r>
-              <a:rPr lang="en-US" sz="2800" dirty="0" err="1">
-                <a:solidFill>
-                  <a:srgbClr val="FFFFFF"/>
-                </a:solidFill>
-                <a:latin typeface="Times New Roman"/>
-                <a:ea typeface="Times New Roman"/>
-                <a:cs typeface="Times New Roman"/>
-                <a:sym typeface="Times New Roman"/>
-              </a:rPr>
-              <a:t>và</a:t>
-            </a:r>
-            <a:r>
-              <a:rPr lang="en-US" sz="2800" dirty="0">
-                <a:solidFill>
-                  <a:srgbClr val="FFFFFF"/>
-                </a:solidFill>
-                <a:latin typeface="Times New Roman"/>
-                <a:ea typeface="Times New Roman"/>
-                <a:cs typeface="Times New Roman"/>
-                <a:sym typeface="Times New Roman"/>
-              </a:rPr>
-              <a:t> </a:t>
-            </a:r>
-            <a:r>
-              <a:rPr lang="en-US" sz="2800" dirty="0" err="1">
-                <a:solidFill>
-                  <a:srgbClr val="FFFFFF"/>
-                </a:solidFill>
-                <a:latin typeface="Times New Roman"/>
-                <a:ea typeface="Times New Roman"/>
-                <a:cs typeface="Times New Roman"/>
-                <a:sym typeface="Times New Roman"/>
-              </a:rPr>
-              <a:t>hiệu</a:t>
-            </a:r>
-            <a:r>
-              <a:rPr lang="en-US" sz="2800" dirty="0">
-                <a:solidFill>
-                  <a:srgbClr val="FFFFFF"/>
-                </a:solidFill>
-                <a:latin typeface="Times New Roman"/>
-                <a:ea typeface="Times New Roman"/>
-                <a:cs typeface="Times New Roman"/>
-                <a:sym typeface="Times New Roman"/>
-              </a:rPr>
-              <a:t> </a:t>
-            </a:r>
-            <a:r>
-              <a:rPr lang="en-US" sz="2800" dirty="0" err="1">
-                <a:solidFill>
-                  <a:srgbClr val="FFFFFF"/>
-                </a:solidFill>
-                <a:latin typeface="Times New Roman"/>
-                <a:ea typeface="Times New Roman"/>
-                <a:cs typeface="Times New Roman"/>
-                <a:sym typeface="Times New Roman"/>
-              </a:rPr>
-              <a:t>suất</a:t>
-            </a:r>
-            <a:r>
-              <a:rPr lang="en-US" sz="2800" dirty="0">
-                <a:solidFill>
-                  <a:srgbClr val="FFFFFF"/>
-                </a:solidFill>
-                <a:latin typeface="Times New Roman"/>
-                <a:ea typeface="Times New Roman"/>
-                <a:cs typeface="Times New Roman"/>
-                <a:sym typeface="Times New Roman"/>
-              </a:rPr>
-              <a:t>. </a:t>
-            </a:r>
-            <a:r>
-              <a:rPr lang="en-US" sz="2800" dirty="0" err="1">
-                <a:solidFill>
-                  <a:srgbClr val="FFFFFF"/>
-                </a:solidFill>
-                <a:latin typeface="Times New Roman"/>
-                <a:ea typeface="Times New Roman"/>
-                <a:cs typeface="Times New Roman"/>
-                <a:sym typeface="Times New Roman"/>
-              </a:rPr>
-              <a:t>Vite</a:t>
-            </a:r>
-            <a:r>
-              <a:rPr lang="en-US" sz="2800" dirty="0">
-                <a:solidFill>
-                  <a:srgbClr val="FFFFFF"/>
-                </a:solidFill>
-                <a:latin typeface="Times New Roman"/>
-                <a:ea typeface="Times New Roman"/>
-                <a:cs typeface="Times New Roman"/>
-                <a:sym typeface="Times New Roman"/>
-              </a:rPr>
-              <a:t> </a:t>
-            </a:r>
-            <a:r>
-              <a:rPr lang="en-US" sz="2800" dirty="0" err="1">
-                <a:solidFill>
-                  <a:srgbClr val="FFFFFF"/>
-                </a:solidFill>
-                <a:latin typeface="Times New Roman"/>
-                <a:ea typeface="Times New Roman"/>
-                <a:cs typeface="Times New Roman"/>
-                <a:sym typeface="Times New Roman"/>
-              </a:rPr>
-              <a:t>mang</a:t>
-            </a:r>
-            <a:r>
-              <a:rPr lang="en-US" sz="2800" dirty="0">
-                <a:solidFill>
-                  <a:srgbClr val="FFFFFF"/>
-                </a:solidFill>
-                <a:latin typeface="Times New Roman"/>
-                <a:ea typeface="Times New Roman"/>
-                <a:cs typeface="Times New Roman"/>
-                <a:sym typeface="Times New Roman"/>
-              </a:rPr>
-              <a:t> </a:t>
-            </a:r>
-            <a:r>
-              <a:rPr lang="en-US" sz="2800" dirty="0" err="1">
-                <a:solidFill>
-                  <a:srgbClr val="FFFFFF"/>
-                </a:solidFill>
-                <a:latin typeface="Times New Roman"/>
-                <a:ea typeface="Times New Roman"/>
-                <a:cs typeface="Times New Roman"/>
-                <a:sym typeface="Times New Roman"/>
-              </a:rPr>
-              <a:t>đến</a:t>
-            </a:r>
-            <a:r>
-              <a:rPr lang="en-US" sz="2800" dirty="0">
-                <a:solidFill>
-                  <a:srgbClr val="FFFFFF"/>
-                </a:solidFill>
-                <a:latin typeface="Times New Roman"/>
-                <a:ea typeface="Times New Roman"/>
-                <a:cs typeface="Times New Roman"/>
-                <a:sym typeface="Times New Roman"/>
-              </a:rPr>
-              <a:t> </a:t>
-            </a:r>
-            <a:r>
-              <a:rPr lang="en-US" sz="2800" dirty="0" err="1">
-                <a:solidFill>
-                  <a:srgbClr val="FFFFFF"/>
-                </a:solidFill>
-                <a:latin typeface="Times New Roman"/>
-                <a:ea typeface="Times New Roman"/>
-                <a:cs typeface="Times New Roman"/>
-                <a:sym typeface="Times New Roman"/>
-              </a:rPr>
-              <a:t>cách</a:t>
-            </a:r>
-            <a:r>
-              <a:rPr lang="en-US" sz="2800" dirty="0">
-                <a:solidFill>
-                  <a:srgbClr val="FFFFFF"/>
-                </a:solidFill>
-                <a:latin typeface="Times New Roman"/>
-                <a:ea typeface="Times New Roman"/>
-                <a:cs typeface="Times New Roman"/>
-                <a:sym typeface="Times New Roman"/>
-              </a:rPr>
-              <a:t> </a:t>
-            </a:r>
-            <a:r>
-              <a:rPr lang="en-US" sz="2800" dirty="0" err="1">
-                <a:solidFill>
-                  <a:srgbClr val="FFFFFF"/>
-                </a:solidFill>
-                <a:latin typeface="Times New Roman"/>
-                <a:ea typeface="Times New Roman"/>
-                <a:cs typeface="Times New Roman"/>
-                <a:sym typeface="Times New Roman"/>
-              </a:rPr>
-              <a:t>tiếp</a:t>
-            </a:r>
-            <a:r>
-              <a:rPr lang="en-US" sz="2800" dirty="0">
-                <a:solidFill>
-                  <a:srgbClr val="FFFFFF"/>
-                </a:solidFill>
-                <a:latin typeface="Times New Roman"/>
-                <a:ea typeface="Times New Roman"/>
-                <a:cs typeface="Times New Roman"/>
-                <a:sym typeface="Times New Roman"/>
-              </a:rPr>
-              <a:t> </a:t>
-            </a:r>
-            <a:r>
-              <a:rPr lang="en-US" sz="2800" dirty="0" err="1">
-                <a:solidFill>
-                  <a:srgbClr val="FFFFFF"/>
-                </a:solidFill>
-                <a:latin typeface="Times New Roman"/>
-                <a:ea typeface="Times New Roman"/>
-                <a:cs typeface="Times New Roman"/>
-                <a:sym typeface="Times New Roman"/>
-              </a:rPr>
-              <a:t>cận</a:t>
-            </a:r>
-            <a:r>
-              <a:rPr lang="en-US" sz="2800" dirty="0">
-                <a:solidFill>
-                  <a:srgbClr val="FFFFFF"/>
-                </a:solidFill>
-                <a:latin typeface="Times New Roman"/>
-                <a:ea typeface="Times New Roman"/>
-                <a:cs typeface="Times New Roman"/>
-                <a:sym typeface="Times New Roman"/>
-              </a:rPr>
-              <a:t> </a:t>
-            </a:r>
-            <a:r>
-              <a:rPr lang="en-US" sz="2800" dirty="0" err="1">
-                <a:solidFill>
-                  <a:srgbClr val="FFFFFF"/>
-                </a:solidFill>
-                <a:latin typeface="Times New Roman"/>
-                <a:ea typeface="Times New Roman"/>
-                <a:cs typeface="Times New Roman"/>
-                <a:sym typeface="Times New Roman"/>
-              </a:rPr>
-              <a:t>mới</a:t>
-            </a:r>
-            <a:r>
-              <a:rPr lang="en-US" sz="2800" dirty="0">
-                <a:solidFill>
-                  <a:srgbClr val="FFFFFF"/>
-                </a:solidFill>
-                <a:latin typeface="Times New Roman"/>
-                <a:ea typeface="Times New Roman"/>
-                <a:cs typeface="Times New Roman"/>
-                <a:sym typeface="Times New Roman"/>
-              </a:rPr>
-              <a:t> </a:t>
-            </a:r>
-            <a:r>
-              <a:rPr lang="en-US" sz="2800" dirty="0" err="1">
-                <a:solidFill>
-                  <a:srgbClr val="FFFFFF"/>
-                </a:solidFill>
-                <a:latin typeface="Times New Roman"/>
-                <a:ea typeface="Times New Roman"/>
-                <a:cs typeface="Times New Roman"/>
-                <a:sym typeface="Times New Roman"/>
-              </a:rPr>
-              <a:t>trong</a:t>
-            </a:r>
-            <a:r>
-              <a:rPr lang="en-US" sz="2800" dirty="0">
-                <a:solidFill>
-                  <a:srgbClr val="FFFFFF"/>
-                </a:solidFill>
-                <a:latin typeface="Times New Roman"/>
-                <a:ea typeface="Times New Roman"/>
-                <a:cs typeface="Times New Roman"/>
-                <a:sym typeface="Times New Roman"/>
-              </a:rPr>
-              <a:t> </a:t>
-            </a:r>
-            <a:r>
-              <a:rPr lang="en-US" sz="2800" dirty="0" err="1">
-                <a:solidFill>
-                  <a:srgbClr val="FFFFFF"/>
-                </a:solidFill>
-                <a:latin typeface="Times New Roman"/>
-                <a:ea typeface="Times New Roman"/>
-                <a:cs typeface="Times New Roman"/>
-                <a:sym typeface="Times New Roman"/>
-              </a:rPr>
               <a:t>việc</a:t>
             </a:r>
             <a:r>
@@ -18208,361 +17959,6 @@
               </a:rPr>
               <a:t>án</a:t>
             </a:r>
-            <a:r>
-              <a:rPr lang="en-US" sz="2800" dirty="0">
-                <a:solidFill>
-                  <a:srgbClr val="FFFFFF"/>
-                </a:solidFill>
-                <a:latin typeface="Times New Roman"/>
-                <a:ea typeface="Times New Roman"/>
-                <a:cs typeface="Times New Roman"/>
-                <a:sym typeface="Times New Roman"/>
-              </a:rPr>
-              <a:t> web </a:t>
-            </a:r>
-            <a:r>
-              <a:rPr lang="en-US" sz="2800" dirty="0" err="1">
-                <a:solidFill>
-                  <a:srgbClr val="FFFFFF"/>
-                </a:solidFill>
-                <a:latin typeface="Times New Roman"/>
-                <a:ea typeface="Times New Roman"/>
-                <a:cs typeface="Times New Roman"/>
-                <a:sym typeface="Times New Roman"/>
-              </a:rPr>
-              <a:t>bằng</a:t>
-            </a:r>
-            <a:r>
-              <a:rPr lang="en-US" sz="2800" dirty="0">
-                <a:solidFill>
-                  <a:srgbClr val="FFFFFF"/>
-                </a:solidFill>
-                <a:latin typeface="Times New Roman"/>
-                <a:ea typeface="Times New Roman"/>
-                <a:cs typeface="Times New Roman"/>
-                <a:sym typeface="Times New Roman"/>
-              </a:rPr>
-              <a:t> </a:t>
-            </a:r>
-            <a:r>
-              <a:rPr lang="en-US" sz="2800" dirty="0" err="1">
-                <a:solidFill>
-                  <a:srgbClr val="FFFFFF"/>
-                </a:solidFill>
-                <a:latin typeface="Times New Roman"/>
-                <a:ea typeface="Times New Roman"/>
-                <a:cs typeface="Times New Roman"/>
-                <a:sym typeface="Times New Roman"/>
-              </a:rPr>
-              <a:t>cách</a:t>
-            </a:r>
-            <a:r>
-              <a:rPr lang="en-US" sz="2800" dirty="0">
-                <a:solidFill>
-                  <a:srgbClr val="FFFFFF"/>
-                </a:solidFill>
-                <a:latin typeface="Times New Roman"/>
-                <a:ea typeface="Times New Roman"/>
-                <a:cs typeface="Times New Roman"/>
-                <a:sym typeface="Times New Roman"/>
-              </a:rPr>
-              <a:t> </a:t>
-            </a:r>
-            <a:r>
-              <a:rPr lang="en-US" sz="2800" dirty="0" err="1">
-                <a:solidFill>
-                  <a:srgbClr val="FFFFFF"/>
-                </a:solidFill>
-                <a:latin typeface="Times New Roman"/>
-                <a:ea typeface="Times New Roman"/>
-                <a:cs typeface="Times New Roman"/>
-                <a:sym typeface="Times New Roman"/>
-              </a:rPr>
-              <a:t>tận</a:t>
-            </a:r>
-            <a:r>
-              <a:rPr lang="en-US" sz="2800" dirty="0">
-                <a:solidFill>
-                  <a:srgbClr val="FFFFFF"/>
-                </a:solidFill>
-                <a:latin typeface="Times New Roman"/>
-                <a:ea typeface="Times New Roman"/>
-                <a:cs typeface="Times New Roman"/>
-                <a:sym typeface="Times New Roman"/>
-              </a:rPr>
-              <a:t> </a:t>
-            </a:r>
-            <a:r>
-              <a:rPr lang="en-US" sz="2800" dirty="0" err="1">
-                <a:solidFill>
-                  <a:srgbClr val="FFFFFF"/>
-                </a:solidFill>
-                <a:latin typeface="Times New Roman"/>
-                <a:ea typeface="Times New Roman"/>
-                <a:cs typeface="Times New Roman"/>
-                <a:sym typeface="Times New Roman"/>
-              </a:rPr>
-              <a:t>dụng</a:t>
-            </a:r>
-            <a:r>
-              <a:rPr lang="en-US" sz="2800" dirty="0">
-                <a:solidFill>
-                  <a:srgbClr val="FFFFFF"/>
-                </a:solidFill>
-                <a:latin typeface="Times New Roman"/>
-                <a:ea typeface="Times New Roman"/>
-                <a:cs typeface="Times New Roman"/>
-                <a:sym typeface="Times New Roman"/>
-              </a:rPr>
-              <a:t> </a:t>
-            </a:r>
-            <a:r>
-              <a:rPr lang="en-US" sz="2800" dirty="0" err="1">
-                <a:solidFill>
-                  <a:srgbClr val="FFFFFF"/>
-                </a:solidFill>
-                <a:latin typeface="Times New Roman"/>
-                <a:ea typeface="Times New Roman"/>
-                <a:cs typeface="Times New Roman"/>
-                <a:sym typeface="Times New Roman"/>
-              </a:rPr>
-              <a:t>các</a:t>
-            </a:r>
-            <a:r>
-              <a:rPr lang="en-US" sz="2800" dirty="0">
-                <a:solidFill>
-                  <a:srgbClr val="FFFFFF"/>
-                </a:solidFill>
-                <a:latin typeface="Times New Roman"/>
-                <a:ea typeface="Times New Roman"/>
-                <a:cs typeface="Times New Roman"/>
-                <a:sym typeface="Times New Roman"/>
-              </a:rPr>
-              <a:t> module ES </a:t>
-            </a:r>
-            <a:r>
-              <a:rPr lang="en-US" sz="2800" dirty="0" err="1">
-                <a:solidFill>
-                  <a:srgbClr val="FFFFFF"/>
-                </a:solidFill>
-                <a:latin typeface="Times New Roman"/>
-                <a:ea typeface="Times New Roman"/>
-                <a:cs typeface="Times New Roman"/>
-                <a:sym typeface="Times New Roman"/>
-              </a:rPr>
-              <a:t>gốc</a:t>
-            </a:r>
-            <a:r>
-              <a:rPr lang="en-US" sz="2800" dirty="0">
-                <a:solidFill>
-                  <a:srgbClr val="FFFFFF"/>
-                </a:solidFill>
-                <a:latin typeface="Times New Roman"/>
-                <a:ea typeface="Times New Roman"/>
-                <a:cs typeface="Times New Roman"/>
-                <a:sym typeface="Times New Roman"/>
-              </a:rPr>
-              <a:t> </a:t>
-            </a:r>
-            <a:r>
-              <a:rPr lang="en-US" sz="2800" dirty="0" err="1">
-                <a:solidFill>
-                  <a:srgbClr val="FFFFFF"/>
-                </a:solidFill>
-                <a:latin typeface="Times New Roman"/>
-                <a:ea typeface="Times New Roman"/>
-                <a:cs typeface="Times New Roman"/>
-                <a:sym typeface="Times New Roman"/>
-              </a:rPr>
-              <a:t>trong</a:t>
-            </a:r>
-            <a:r>
-              <a:rPr lang="en-US" sz="2800" dirty="0">
-                <a:solidFill>
-                  <a:srgbClr val="FFFFFF"/>
-                </a:solidFill>
-                <a:latin typeface="Times New Roman"/>
-                <a:ea typeface="Times New Roman"/>
-                <a:cs typeface="Times New Roman"/>
-                <a:sym typeface="Times New Roman"/>
-              </a:rPr>
-              <a:t> </a:t>
-            </a:r>
-            <a:r>
-              <a:rPr lang="en-US" sz="2800" dirty="0" err="1">
-                <a:solidFill>
-                  <a:srgbClr val="FFFFFF"/>
-                </a:solidFill>
-                <a:latin typeface="Times New Roman"/>
-                <a:ea typeface="Times New Roman"/>
-                <a:cs typeface="Times New Roman"/>
-                <a:sym typeface="Times New Roman"/>
-              </a:rPr>
-              <a:t>trình</a:t>
-            </a:r>
-            <a:r>
-              <a:rPr lang="en-US" sz="2800" dirty="0">
-                <a:solidFill>
-                  <a:srgbClr val="FFFFFF"/>
-                </a:solidFill>
-                <a:latin typeface="Times New Roman"/>
-                <a:ea typeface="Times New Roman"/>
-                <a:cs typeface="Times New Roman"/>
-                <a:sym typeface="Times New Roman"/>
-              </a:rPr>
-              <a:t> </a:t>
-            </a:r>
-            <a:r>
-              <a:rPr lang="en-US" sz="2800" dirty="0" err="1">
-                <a:solidFill>
-                  <a:srgbClr val="FFFFFF"/>
-                </a:solidFill>
-                <a:latin typeface="Times New Roman"/>
-                <a:ea typeface="Times New Roman"/>
-                <a:cs typeface="Times New Roman"/>
-                <a:sym typeface="Times New Roman"/>
-              </a:rPr>
-              <a:t>duyệt</a:t>
-            </a:r>
-            <a:r>
-              <a:rPr lang="en-US" sz="2800" dirty="0">
-                <a:solidFill>
-                  <a:srgbClr val="FFFFFF"/>
-                </a:solidFill>
-                <a:latin typeface="Times New Roman"/>
-                <a:ea typeface="Times New Roman"/>
-                <a:cs typeface="Times New Roman"/>
-                <a:sym typeface="Times New Roman"/>
-              </a:rPr>
-              <a:t> </a:t>
-            </a:r>
-            <a:r>
-              <a:rPr lang="en-US" sz="2800" dirty="0" err="1">
-                <a:solidFill>
-                  <a:srgbClr val="FFFFFF"/>
-                </a:solidFill>
-                <a:latin typeface="Times New Roman"/>
-                <a:ea typeface="Times New Roman"/>
-                <a:cs typeface="Times New Roman"/>
-                <a:sym typeface="Times New Roman"/>
-              </a:rPr>
-              <a:t>và</a:t>
-            </a:r>
-            <a:r>
-              <a:rPr lang="en-US" sz="2800" dirty="0">
-                <a:solidFill>
-                  <a:srgbClr val="FFFFFF"/>
-                </a:solidFill>
-                <a:latin typeface="Times New Roman"/>
-                <a:ea typeface="Times New Roman"/>
-                <a:cs typeface="Times New Roman"/>
-                <a:sym typeface="Times New Roman"/>
-              </a:rPr>
-              <a:t> </a:t>
-            </a:r>
-            <a:r>
-              <a:rPr lang="en-US" sz="2800" dirty="0" err="1">
-                <a:solidFill>
-                  <a:srgbClr val="FFFFFF"/>
-                </a:solidFill>
-                <a:latin typeface="Times New Roman"/>
-                <a:ea typeface="Times New Roman"/>
-                <a:cs typeface="Times New Roman"/>
-                <a:sym typeface="Times New Roman"/>
-              </a:rPr>
-              <a:t>cung</a:t>
-            </a:r>
-            <a:r>
-              <a:rPr lang="en-US" sz="2800" dirty="0">
-                <a:solidFill>
-                  <a:srgbClr val="FFFFFF"/>
-                </a:solidFill>
-                <a:latin typeface="Times New Roman"/>
-                <a:ea typeface="Times New Roman"/>
-                <a:cs typeface="Times New Roman"/>
-                <a:sym typeface="Times New Roman"/>
-              </a:rPr>
-              <a:t> </a:t>
-            </a:r>
-            <a:r>
-              <a:rPr lang="en-US" sz="2800" dirty="0" err="1">
-                <a:solidFill>
-                  <a:srgbClr val="FFFFFF"/>
-                </a:solidFill>
-                <a:latin typeface="Times New Roman"/>
-                <a:ea typeface="Times New Roman"/>
-                <a:cs typeface="Times New Roman"/>
-                <a:sym typeface="Times New Roman"/>
-              </a:rPr>
-              <a:t>cấp</a:t>
-            </a:r>
-            <a:r>
-              <a:rPr lang="en-US" sz="2800" dirty="0">
-                <a:solidFill>
-                  <a:srgbClr val="FFFFFF"/>
-                </a:solidFill>
-                <a:latin typeface="Times New Roman"/>
-                <a:ea typeface="Times New Roman"/>
-                <a:cs typeface="Times New Roman"/>
-                <a:sym typeface="Times New Roman"/>
-              </a:rPr>
-              <a:t> </a:t>
-            </a:r>
-            <a:r>
-              <a:rPr lang="en-US" sz="2800" dirty="0" err="1">
-                <a:solidFill>
-                  <a:srgbClr val="FFFFFF"/>
-                </a:solidFill>
-                <a:latin typeface="Times New Roman"/>
-                <a:ea typeface="Times New Roman"/>
-                <a:cs typeface="Times New Roman"/>
-                <a:sym typeface="Times New Roman"/>
-              </a:rPr>
-              <a:t>tính</a:t>
-            </a:r>
-            <a:r>
-              <a:rPr lang="en-US" sz="2800" dirty="0">
-                <a:solidFill>
-                  <a:srgbClr val="FFFFFF"/>
-                </a:solidFill>
-                <a:latin typeface="Times New Roman"/>
-                <a:ea typeface="Times New Roman"/>
-                <a:cs typeface="Times New Roman"/>
-                <a:sym typeface="Times New Roman"/>
-              </a:rPr>
-              <a:t> </a:t>
-            </a:r>
-            <a:r>
-              <a:rPr lang="en-US" sz="2800" dirty="0" err="1">
-                <a:solidFill>
-                  <a:srgbClr val="FFFFFF"/>
-                </a:solidFill>
-                <a:latin typeface="Times New Roman"/>
-                <a:ea typeface="Times New Roman"/>
-                <a:cs typeface="Times New Roman"/>
-                <a:sym typeface="Times New Roman"/>
-              </a:rPr>
-              <a:t>năng</a:t>
-            </a:r>
-            <a:r>
-              <a:rPr lang="en-US" sz="2800" dirty="0">
-                <a:solidFill>
-                  <a:srgbClr val="FFFFFF"/>
-                </a:solidFill>
-                <a:latin typeface="Times New Roman"/>
-                <a:ea typeface="Times New Roman"/>
-                <a:cs typeface="Times New Roman"/>
-                <a:sym typeface="Times New Roman"/>
-              </a:rPr>
-              <a:t> Hot Module Replacement (HMR).</a:t>
-            </a:r>
-          </a:p>
-          <a:p>
-            <a:pPr algn="just">
-              <a:lnSpc>
-                <a:spcPts val="3762"/>
-              </a:lnSpc>
-            </a:pPr>
             <a:endParaRPr lang="en-US" sz="2800" dirty="0">
               <a:solidFill>
                 <a:srgbClr val="FFFFFF"/>
